--- a/__documentation/Solvers/Poisson Solver/grid.pptx
+++ b/__documentation/Solvers/Poisson Solver/grid.pptx
@@ -11,6 +11,10 @@
     <p:sldId id="263" r:id="rId5"/>
     <p:sldId id="264" r:id="rId6"/>
     <p:sldId id="265" r:id="rId7"/>
+    <p:sldId id="266" r:id="rId8"/>
+    <p:sldId id="269" r:id="rId9"/>
+    <p:sldId id="267" r:id="rId10"/>
+    <p:sldId id="268" r:id="rId11"/>
   </p:sldIdLst>
   <p:sldSz cx="9144000" cy="6858000" type="screen4x3"/>
   <p:notesSz cx="6858000" cy="9144000"/>
@@ -294,7 +298,7 @@
             <a:fld id="{1D8BD707-D9CF-40AE-B4C6-C98DA3205C09}" type="datetimeFigureOut">
               <a:rPr lang="en-US" smtClean="0"/>
               <a:pPr/>
-              <a:t>9/22/2014</a:t>
+              <a:t>2/21/2015</a:t>
             </a:fld>
             <a:endParaRPr lang="en-US"/>
           </a:p>
@@ -461,7 +465,7 @@
             <a:fld id="{1D8BD707-D9CF-40AE-B4C6-C98DA3205C09}" type="datetimeFigureOut">
               <a:rPr lang="en-US" smtClean="0"/>
               <a:pPr/>
-              <a:t>9/22/2014</a:t>
+              <a:t>2/21/2015</a:t>
             </a:fld>
             <a:endParaRPr lang="en-US"/>
           </a:p>
@@ -638,7 +642,7 @@
             <a:fld id="{1D8BD707-D9CF-40AE-B4C6-C98DA3205C09}" type="datetimeFigureOut">
               <a:rPr lang="en-US" smtClean="0"/>
               <a:pPr/>
-              <a:t>9/22/2014</a:t>
+              <a:t>2/21/2015</a:t>
             </a:fld>
             <a:endParaRPr lang="en-US"/>
           </a:p>
@@ -805,7 +809,7 @@
             <a:fld id="{1D8BD707-D9CF-40AE-B4C6-C98DA3205C09}" type="datetimeFigureOut">
               <a:rPr lang="en-US" smtClean="0"/>
               <a:pPr/>
-              <a:t>9/22/2014</a:t>
+              <a:t>2/21/2015</a:t>
             </a:fld>
             <a:endParaRPr lang="en-US"/>
           </a:p>
@@ -1048,7 +1052,7 @@
             <a:fld id="{1D8BD707-D9CF-40AE-B4C6-C98DA3205C09}" type="datetimeFigureOut">
               <a:rPr lang="en-US" smtClean="0"/>
               <a:pPr/>
-              <a:t>9/22/2014</a:t>
+              <a:t>2/21/2015</a:t>
             </a:fld>
             <a:endParaRPr lang="en-US"/>
           </a:p>
@@ -1333,7 +1337,7 @@
             <a:fld id="{1D8BD707-D9CF-40AE-B4C6-C98DA3205C09}" type="datetimeFigureOut">
               <a:rPr lang="en-US" smtClean="0"/>
               <a:pPr/>
-              <a:t>9/22/2014</a:t>
+              <a:t>2/21/2015</a:t>
             </a:fld>
             <a:endParaRPr lang="en-US"/>
           </a:p>
@@ -1752,7 +1756,7 @@
             <a:fld id="{1D8BD707-D9CF-40AE-B4C6-C98DA3205C09}" type="datetimeFigureOut">
               <a:rPr lang="en-US" smtClean="0"/>
               <a:pPr/>
-              <a:t>9/22/2014</a:t>
+              <a:t>2/21/2015</a:t>
             </a:fld>
             <a:endParaRPr lang="en-US"/>
           </a:p>
@@ -1867,7 +1871,7 @@
             <a:fld id="{1D8BD707-D9CF-40AE-B4C6-C98DA3205C09}" type="datetimeFigureOut">
               <a:rPr lang="en-US" smtClean="0"/>
               <a:pPr/>
-              <a:t>9/22/2014</a:t>
+              <a:t>2/21/2015</a:t>
             </a:fld>
             <a:endParaRPr lang="en-US"/>
           </a:p>
@@ -1959,7 +1963,7 @@
             <a:fld id="{1D8BD707-D9CF-40AE-B4C6-C98DA3205C09}" type="datetimeFigureOut">
               <a:rPr lang="en-US" smtClean="0"/>
               <a:pPr/>
-              <a:t>9/22/2014</a:t>
+              <a:t>2/21/2015</a:t>
             </a:fld>
             <a:endParaRPr lang="en-US"/>
           </a:p>
@@ -2233,7 +2237,7 @@
             <a:fld id="{1D8BD707-D9CF-40AE-B4C6-C98DA3205C09}" type="datetimeFigureOut">
               <a:rPr lang="en-US" smtClean="0"/>
               <a:pPr/>
-              <a:t>9/22/2014</a:t>
+              <a:t>2/21/2015</a:t>
             </a:fld>
             <a:endParaRPr lang="en-US"/>
           </a:p>
@@ -2483,7 +2487,7 @@
             <a:fld id="{1D8BD707-D9CF-40AE-B4C6-C98DA3205C09}" type="datetimeFigureOut">
               <a:rPr lang="en-US" smtClean="0"/>
               <a:pPr/>
-              <a:t>9/22/2014</a:t>
+              <a:t>2/21/2015</a:t>
             </a:fld>
             <a:endParaRPr lang="en-US"/>
           </a:p>
@@ -2693,7 +2697,7 @@
             <a:fld id="{1D8BD707-D9CF-40AE-B4C6-C98DA3205C09}" type="datetimeFigureOut">
               <a:rPr lang="en-US" smtClean="0"/>
               <a:pPr/>
-              <a:t>9/22/2014</a:t>
+              <a:t>2/21/2015</a:t>
             </a:fld>
             <a:endParaRPr lang="en-US"/>
           </a:p>
@@ -3451,6 +3455,377 @@
 </p:sld>
 </file>
 
+<file path=ppt/slides/slide10.xml><?xml version="1.0" encoding="utf-8"?>
+<p:sld xmlns:a="http://schemas.openxmlformats.org/drawingml/2006/main" xmlns:r="http://schemas.openxmlformats.org/officeDocument/2006/relationships" xmlns:p="http://schemas.openxmlformats.org/presentationml/2006/main">
+  <p:cSld>
+    <p:spTree>
+      <p:nvGrpSpPr>
+        <p:cNvPr id="1" name=""/>
+        <p:cNvGrpSpPr/>
+        <p:nvPr/>
+      </p:nvGrpSpPr>
+      <p:grpSpPr>
+        <a:xfrm>
+          <a:off x="0" y="0"/>
+          <a:ext cx="0" cy="0"/>
+          <a:chOff x="0" y="0"/>
+          <a:chExt cx="0" cy="0"/>
+        </a:xfrm>
+      </p:grpSpPr>
+      <p:grpSp>
+        <p:nvGrpSpPr>
+          <p:cNvPr id="2" name="Group 14"/>
+          <p:cNvGrpSpPr/>
+          <p:nvPr/>
+        </p:nvGrpSpPr>
+        <p:grpSpPr>
+          <a:xfrm>
+            <a:off x="533400" y="1295400"/>
+            <a:ext cx="4573588" cy="4572000"/>
+            <a:chOff x="533400" y="1295400"/>
+            <a:chExt cx="4573588" cy="4572000"/>
+          </a:xfrm>
+        </p:grpSpPr>
+        <p:cxnSp>
+          <p:nvCxnSpPr>
+            <p:cNvPr id="16" name="Straight Connector 15"/>
+            <p:cNvCxnSpPr/>
+            <p:nvPr/>
+          </p:nvCxnSpPr>
+          <p:spPr>
+            <a:xfrm>
+              <a:off x="533400" y="1295400"/>
+              <a:ext cx="4572000" cy="0"/>
+            </a:xfrm>
+            <a:prstGeom prst="line">
+              <a:avLst/>
+            </a:prstGeom>
+          </p:spPr>
+          <p:style>
+            <a:lnRef idx="3">
+              <a:schemeClr val="accent2"/>
+            </a:lnRef>
+            <a:fillRef idx="0">
+              <a:schemeClr val="accent2"/>
+            </a:fillRef>
+            <a:effectRef idx="2">
+              <a:schemeClr val="accent2"/>
+            </a:effectRef>
+            <a:fontRef idx="minor">
+              <a:schemeClr val="tx1"/>
+            </a:fontRef>
+          </p:style>
+        </p:cxnSp>
+        <p:cxnSp>
+          <p:nvCxnSpPr>
+            <p:cNvPr id="17" name="Straight Connector 16"/>
+            <p:cNvCxnSpPr/>
+            <p:nvPr/>
+          </p:nvCxnSpPr>
+          <p:spPr>
+            <a:xfrm rot="5400000">
+              <a:off x="-1751806" y="3580606"/>
+              <a:ext cx="4572000" cy="1588"/>
+            </a:xfrm>
+            <a:prstGeom prst="line">
+              <a:avLst/>
+            </a:prstGeom>
+          </p:spPr>
+          <p:style>
+            <a:lnRef idx="3">
+              <a:schemeClr val="accent2"/>
+            </a:lnRef>
+            <a:fillRef idx="0">
+              <a:schemeClr val="accent2"/>
+            </a:fillRef>
+            <a:effectRef idx="2">
+              <a:schemeClr val="accent2"/>
+            </a:effectRef>
+            <a:fontRef idx="minor">
+              <a:schemeClr val="tx1"/>
+            </a:fontRef>
+          </p:style>
+        </p:cxnSp>
+        <p:cxnSp>
+          <p:nvCxnSpPr>
+            <p:cNvPr id="18" name="Straight Connector 17"/>
+            <p:cNvCxnSpPr/>
+            <p:nvPr/>
+          </p:nvCxnSpPr>
+          <p:spPr>
+            <a:xfrm rot="5400000">
+              <a:off x="2820194" y="3580606"/>
+              <a:ext cx="4572000" cy="1588"/>
+            </a:xfrm>
+            <a:prstGeom prst="line">
+              <a:avLst/>
+            </a:prstGeom>
+          </p:spPr>
+          <p:style>
+            <a:lnRef idx="3">
+              <a:schemeClr val="accent2"/>
+            </a:lnRef>
+            <a:fillRef idx="0">
+              <a:schemeClr val="accent2"/>
+            </a:fillRef>
+            <a:effectRef idx="2">
+              <a:schemeClr val="accent2"/>
+            </a:effectRef>
+            <a:fontRef idx="minor">
+              <a:schemeClr val="tx1"/>
+            </a:fontRef>
+          </p:style>
+        </p:cxnSp>
+        <p:cxnSp>
+          <p:nvCxnSpPr>
+            <p:cNvPr id="20" name="Straight Connector 19"/>
+            <p:cNvCxnSpPr/>
+            <p:nvPr/>
+          </p:nvCxnSpPr>
+          <p:spPr>
+            <a:xfrm>
+              <a:off x="533400" y="5867400"/>
+              <a:ext cx="4572000" cy="0"/>
+            </a:xfrm>
+            <a:prstGeom prst="line">
+              <a:avLst/>
+            </a:prstGeom>
+          </p:spPr>
+          <p:style>
+            <a:lnRef idx="3">
+              <a:schemeClr val="accent2"/>
+            </a:lnRef>
+            <a:fillRef idx="0">
+              <a:schemeClr val="accent2"/>
+            </a:fillRef>
+            <a:effectRef idx="2">
+              <a:schemeClr val="accent2"/>
+            </a:effectRef>
+            <a:fontRef idx="minor">
+              <a:schemeClr val="tx1"/>
+            </a:fontRef>
+          </p:style>
+        </p:cxnSp>
+        <p:cxnSp>
+          <p:nvCxnSpPr>
+            <p:cNvPr id="21" name="Straight Connector 20"/>
+            <p:cNvCxnSpPr/>
+            <p:nvPr/>
+          </p:nvCxnSpPr>
+          <p:spPr>
+            <a:xfrm>
+              <a:off x="533400" y="3505200"/>
+              <a:ext cx="4572000" cy="0"/>
+            </a:xfrm>
+            <a:prstGeom prst="line">
+              <a:avLst/>
+            </a:prstGeom>
+          </p:spPr>
+          <p:style>
+            <a:lnRef idx="3">
+              <a:schemeClr val="accent2"/>
+            </a:lnRef>
+            <a:fillRef idx="0">
+              <a:schemeClr val="accent2"/>
+            </a:fillRef>
+            <a:effectRef idx="2">
+              <a:schemeClr val="accent2"/>
+            </a:effectRef>
+            <a:fontRef idx="minor">
+              <a:schemeClr val="tx1"/>
+            </a:fontRef>
+          </p:style>
+        </p:cxnSp>
+        <p:cxnSp>
+          <p:nvCxnSpPr>
+            <p:cNvPr id="22" name="Straight Connector 21"/>
+            <p:cNvCxnSpPr/>
+            <p:nvPr/>
+          </p:nvCxnSpPr>
+          <p:spPr>
+            <a:xfrm>
+              <a:off x="533400" y="4648200"/>
+              <a:ext cx="4572000" cy="0"/>
+            </a:xfrm>
+            <a:prstGeom prst="line">
+              <a:avLst/>
+            </a:prstGeom>
+          </p:spPr>
+          <p:style>
+            <a:lnRef idx="3">
+              <a:schemeClr val="accent2"/>
+            </a:lnRef>
+            <a:fillRef idx="0">
+              <a:schemeClr val="accent2"/>
+            </a:fillRef>
+            <a:effectRef idx="2">
+              <a:schemeClr val="accent2"/>
+            </a:effectRef>
+            <a:fontRef idx="minor">
+              <a:schemeClr val="tx1"/>
+            </a:fontRef>
+          </p:style>
+        </p:cxnSp>
+        <p:cxnSp>
+          <p:nvCxnSpPr>
+            <p:cNvPr id="23" name="Straight Connector 22"/>
+            <p:cNvCxnSpPr/>
+            <p:nvPr/>
+          </p:nvCxnSpPr>
+          <p:spPr>
+            <a:xfrm>
+              <a:off x="533400" y="2438400"/>
+              <a:ext cx="4572000" cy="0"/>
+            </a:xfrm>
+            <a:prstGeom prst="line">
+              <a:avLst/>
+            </a:prstGeom>
+          </p:spPr>
+          <p:style>
+            <a:lnRef idx="3">
+              <a:schemeClr val="accent2"/>
+            </a:lnRef>
+            <a:fillRef idx="0">
+              <a:schemeClr val="accent2"/>
+            </a:fillRef>
+            <a:effectRef idx="2">
+              <a:schemeClr val="accent2"/>
+            </a:effectRef>
+            <a:fontRef idx="minor">
+              <a:schemeClr val="tx1"/>
+            </a:fontRef>
+          </p:style>
+        </p:cxnSp>
+        <p:cxnSp>
+          <p:nvCxnSpPr>
+            <p:cNvPr id="24" name="Straight Connector 23"/>
+            <p:cNvCxnSpPr/>
+            <p:nvPr/>
+          </p:nvCxnSpPr>
+          <p:spPr>
+            <a:xfrm rot="5400000">
+              <a:off x="534194" y="3580606"/>
+              <a:ext cx="4572000" cy="1588"/>
+            </a:xfrm>
+            <a:prstGeom prst="line">
+              <a:avLst/>
+            </a:prstGeom>
+          </p:spPr>
+          <p:style>
+            <a:lnRef idx="3">
+              <a:schemeClr val="accent2"/>
+            </a:lnRef>
+            <a:fillRef idx="0">
+              <a:schemeClr val="accent2"/>
+            </a:fillRef>
+            <a:effectRef idx="2">
+              <a:schemeClr val="accent2"/>
+            </a:effectRef>
+            <a:fontRef idx="minor">
+              <a:schemeClr val="tx1"/>
+            </a:fontRef>
+          </p:style>
+        </p:cxnSp>
+        <p:cxnSp>
+          <p:nvCxnSpPr>
+            <p:cNvPr id="25" name="Straight Connector 24"/>
+            <p:cNvCxnSpPr/>
+            <p:nvPr/>
+          </p:nvCxnSpPr>
+          <p:spPr>
+            <a:xfrm rot="5400000">
+              <a:off x="1677194" y="3580606"/>
+              <a:ext cx="4572000" cy="1588"/>
+            </a:xfrm>
+            <a:prstGeom prst="line">
+              <a:avLst/>
+            </a:prstGeom>
+          </p:spPr>
+          <p:style>
+            <a:lnRef idx="3">
+              <a:schemeClr val="accent2"/>
+            </a:lnRef>
+            <a:fillRef idx="0">
+              <a:schemeClr val="accent2"/>
+            </a:fillRef>
+            <a:effectRef idx="2">
+              <a:schemeClr val="accent2"/>
+            </a:effectRef>
+            <a:fontRef idx="minor">
+              <a:schemeClr val="tx1"/>
+            </a:fontRef>
+          </p:style>
+        </p:cxnSp>
+        <p:cxnSp>
+          <p:nvCxnSpPr>
+            <p:cNvPr id="26" name="Straight Connector 25"/>
+            <p:cNvCxnSpPr/>
+            <p:nvPr/>
+          </p:nvCxnSpPr>
+          <p:spPr>
+            <a:xfrm rot="5400000">
+              <a:off x="-685006" y="3580606"/>
+              <a:ext cx="4572000" cy="1588"/>
+            </a:xfrm>
+            <a:prstGeom prst="line">
+              <a:avLst/>
+            </a:prstGeom>
+          </p:spPr>
+          <p:style>
+            <a:lnRef idx="3">
+              <a:schemeClr val="accent2"/>
+            </a:lnRef>
+            <a:fillRef idx="0">
+              <a:schemeClr val="accent2"/>
+            </a:fillRef>
+            <a:effectRef idx="2">
+              <a:schemeClr val="accent2"/>
+            </a:effectRef>
+            <a:fontRef idx="minor">
+              <a:schemeClr val="tx1"/>
+            </a:fontRef>
+          </p:style>
+        </p:cxnSp>
+      </p:grpSp>
+      <p:sp>
+        <p:nvSpPr>
+          <p:cNvPr id="15" name="TextBox 14"/>
+          <p:cNvSpPr txBox="1"/>
+          <p:nvPr/>
+        </p:nvSpPr>
+        <p:spPr>
+          <a:xfrm>
+            <a:off x="0" y="0"/>
+            <a:ext cx="9144000" cy="646331"/>
+          </a:xfrm>
+          <a:prstGeom prst="rect">
+            <a:avLst/>
+          </a:prstGeom>
+          <a:noFill/>
+        </p:spPr>
+        <p:txBody>
+          <a:bodyPr wrap="square" rtlCol="0">
+            <a:spAutoFit/>
+          </a:bodyPr>
+          <a:lstStyle/>
+          <a:p>
+            <a:pPr algn="ctr"/>
+            <a:r>
+              <a:rPr lang="en-US" sz="3600" dirty="0" smtClean="0"/>
+              <a:t>Restrict, N nodes = 8</a:t>
+            </a:r>
+            <a:endParaRPr lang="en-US" sz="3600" dirty="0"/>
+          </a:p>
+        </p:txBody>
+      </p:sp>
+    </p:spTree>
+  </p:cSld>
+  <p:clrMapOvr>
+    <a:masterClrMapping/>
+  </p:clrMapOvr>
+</p:sld>
+</file>
+
 <file path=ppt/slides/slide2.xml><?xml version="1.0" encoding="utf-8"?>
 <p:sld xmlns:a="http://schemas.openxmlformats.org/drawingml/2006/main" xmlns:r="http://schemas.openxmlformats.org/officeDocument/2006/relationships" xmlns:p="http://schemas.openxmlformats.org/presentationml/2006/main">
   <p:cSld>
@@ -4628,7 +5003,7 @@
             <a:pPr algn="ctr"/>
             <a:r>
               <a:rPr lang="en-US" sz="3600" dirty="0" smtClean="0"/>
-              <a:t>Restrict</a:t>
+              <a:t>Restrict, N nodes = 9</a:t>
             </a:r>
             <a:endParaRPr lang="en-US" sz="3600" dirty="0"/>
           </a:p>
@@ -5214,9 +5589,444 @@
           <a:chExt cx="0" cy="0"/>
         </a:xfrm>
       </p:grpSpPr>
+      <p:grpSp>
+        <p:nvGrpSpPr>
+          <p:cNvPr id="37" name="Group 36"/>
+          <p:cNvGrpSpPr/>
+          <p:nvPr/>
+        </p:nvGrpSpPr>
+        <p:grpSpPr>
+          <a:xfrm>
+            <a:off x="533400" y="1295400"/>
+            <a:ext cx="4573588" cy="4572000"/>
+            <a:chOff x="533400" y="1295400"/>
+            <a:chExt cx="4573588" cy="4572000"/>
+          </a:xfrm>
+        </p:grpSpPr>
+        <p:cxnSp>
+          <p:nvCxnSpPr>
+            <p:cNvPr id="16" name="Straight Connector 15"/>
+            <p:cNvCxnSpPr/>
+            <p:nvPr/>
+          </p:nvCxnSpPr>
+          <p:spPr>
+            <a:xfrm>
+              <a:off x="533400" y="1295400"/>
+              <a:ext cx="4572000" cy="0"/>
+            </a:xfrm>
+            <a:prstGeom prst="line">
+              <a:avLst/>
+            </a:prstGeom>
+          </p:spPr>
+          <p:style>
+            <a:lnRef idx="3">
+              <a:schemeClr val="accent2"/>
+            </a:lnRef>
+            <a:fillRef idx="0">
+              <a:schemeClr val="accent2"/>
+            </a:fillRef>
+            <a:effectRef idx="2">
+              <a:schemeClr val="accent2"/>
+            </a:effectRef>
+            <a:fontRef idx="minor">
+              <a:schemeClr val="tx1"/>
+            </a:fontRef>
+          </p:style>
+        </p:cxnSp>
+        <p:cxnSp>
+          <p:nvCxnSpPr>
+            <p:cNvPr id="17" name="Straight Connector 16"/>
+            <p:cNvCxnSpPr/>
+            <p:nvPr/>
+          </p:nvCxnSpPr>
+          <p:spPr>
+            <a:xfrm rot="5400000">
+              <a:off x="-1751806" y="3580606"/>
+              <a:ext cx="4572000" cy="1588"/>
+            </a:xfrm>
+            <a:prstGeom prst="line">
+              <a:avLst/>
+            </a:prstGeom>
+          </p:spPr>
+          <p:style>
+            <a:lnRef idx="3">
+              <a:schemeClr val="accent2"/>
+            </a:lnRef>
+            <a:fillRef idx="0">
+              <a:schemeClr val="accent2"/>
+            </a:fillRef>
+            <a:effectRef idx="2">
+              <a:schemeClr val="accent2"/>
+            </a:effectRef>
+            <a:fontRef idx="minor">
+              <a:schemeClr val="tx1"/>
+            </a:fontRef>
+          </p:style>
+        </p:cxnSp>
+        <p:cxnSp>
+          <p:nvCxnSpPr>
+            <p:cNvPr id="20" name="Straight Connector 19"/>
+            <p:cNvCxnSpPr/>
+            <p:nvPr/>
+          </p:nvCxnSpPr>
+          <p:spPr>
+            <a:xfrm rot="5400000">
+              <a:off x="2820194" y="3580606"/>
+              <a:ext cx="4572000" cy="1588"/>
+            </a:xfrm>
+            <a:prstGeom prst="line">
+              <a:avLst/>
+            </a:prstGeom>
+          </p:spPr>
+          <p:style>
+            <a:lnRef idx="3">
+              <a:schemeClr val="accent2"/>
+            </a:lnRef>
+            <a:fillRef idx="0">
+              <a:schemeClr val="accent2"/>
+            </a:fillRef>
+            <a:effectRef idx="2">
+              <a:schemeClr val="accent2"/>
+            </a:effectRef>
+            <a:fontRef idx="minor">
+              <a:schemeClr val="tx1"/>
+            </a:fontRef>
+          </p:style>
+        </p:cxnSp>
+        <p:cxnSp>
+          <p:nvCxnSpPr>
+            <p:cNvPr id="21" name="Straight Connector 20"/>
+            <p:cNvCxnSpPr/>
+            <p:nvPr/>
+          </p:nvCxnSpPr>
+          <p:spPr>
+            <a:xfrm>
+              <a:off x="533400" y="5867400"/>
+              <a:ext cx="4572000" cy="0"/>
+            </a:xfrm>
+            <a:prstGeom prst="line">
+              <a:avLst/>
+            </a:prstGeom>
+          </p:spPr>
+          <p:style>
+            <a:lnRef idx="3">
+              <a:schemeClr val="accent2"/>
+            </a:lnRef>
+            <a:fillRef idx="0">
+              <a:schemeClr val="accent2"/>
+            </a:fillRef>
+            <a:effectRef idx="2">
+              <a:schemeClr val="accent2"/>
+            </a:effectRef>
+            <a:fontRef idx="minor">
+              <a:schemeClr val="tx1"/>
+            </a:fontRef>
+          </p:style>
+        </p:cxnSp>
+        <p:cxnSp>
+          <p:nvCxnSpPr>
+            <p:cNvPr id="22" name="Straight Connector 21"/>
+            <p:cNvCxnSpPr/>
+            <p:nvPr/>
+          </p:nvCxnSpPr>
+          <p:spPr>
+            <a:xfrm>
+              <a:off x="533400" y="3505200"/>
+              <a:ext cx="4572000" cy="0"/>
+            </a:xfrm>
+            <a:prstGeom prst="line">
+              <a:avLst/>
+            </a:prstGeom>
+          </p:spPr>
+          <p:style>
+            <a:lnRef idx="3">
+              <a:schemeClr val="accent2"/>
+            </a:lnRef>
+            <a:fillRef idx="0">
+              <a:schemeClr val="accent2"/>
+            </a:fillRef>
+            <a:effectRef idx="2">
+              <a:schemeClr val="accent2"/>
+            </a:effectRef>
+            <a:fontRef idx="minor">
+              <a:schemeClr val="tx1"/>
+            </a:fontRef>
+          </p:style>
+        </p:cxnSp>
+        <p:cxnSp>
+          <p:nvCxnSpPr>
+            <p:cNvPr id="23" name="Straight Connector 22"/>
+            <p:cNvCxnSpPr/>
+            <p:nvPr/>
+          </p:nvCxnSpPr>
+          <p:spPr>
+            <a:xfrm>
+              <a:off x="533400" y="4648200"/>
+              <a:ext cx="4572000" cy="0"/>
+            </a:xfrm>
+            <a:prstGeom prst="line">
+              <a:avLst/>
+            </a:prstGeom>
+          </p:spPr>
+          <p:style>
+            <a:lnRef idx="3">
+              <a:schemeClr val="accent2"/>
+            </a:lnRef>
+            <a:fillRef idx="0">
+              <a:schemeClr val="accent2"/>
+            </a:fillRef>
+            <a:effectRef idx="2">
+              <a:schemeClr val="accent2"/>
+            </a:effectRef>
+            <a:fontRef idx="minor">
+              <a:schemeClr val="tx1"/>
+            </a:fontRef>
+          </p:style>
+        </p:cxnSp>
+        <p:cxnSp>
+          <p:nvCxnSpPr>
+            <p:cNvPr id="24" name="Straight Connector 23"/>
+            <p:cNvCxnSpPr/>
+            <p:nvPr/>
+          </p:nvCxnSpPr>
+          <p:spPr>
+            <a:xfrm>
+              <a:off x="533400" y="2438400"/>
+              <a:ext cx="4572000" cy="0"/>
+            </a:xfrm>
+            <a:prstGeom prst="line">
+              <a:avLst/>
+            </a:prstGeom>
+          </p:spPr>
+          <p:style>
+            <a:lnRef idx="3">
+              <a:schemeClr val="accent2"/>
+            </a:lnRef>
+            <a:fillRef idx="0">
+              <a:schemeClr val="accent2"/>
+            </a:fillRef>
+            <a:effectRef idx="2">
+              <a:schemeClr val="accent2"/>
+            </a:effectRef>
+            <a:fontRef idx="minor">
+              <a:schemeClr val="tx1"/>
+            </a:fontRef>
+          </p:style>
+        </p:cxnSp>
+        <p:cxnSp>
+          <p:nvCxnSpPr>
+            <p:cNvPr id="25" name="Straight Connector 24"/>
+            <p:cNvCxnSpPr/>
+            <p:nvPr/>
+          </p:nvCxnSpPr>
+          <p:spPr>
+            <a:xfrm rot="5400000">
+              <a:off x="534194" y="3580606"/>
+              <a:ext cx="4572000" cy="1588"/>
+            </a:xfrm>
+            <a:prstGeom prst="line">
+              <a:avLst/>
+            </a:prstGeom>
+          </p:spPr>
+          <p:style>
+            <a:lnRef idx="3">
+              <a:schemeClr val="accent2"/>
+            </a:lnRef>
+            <a:fillRef idx="0">
+              <a:schemeClr val="accent2"/>
+            </a:fillRef>
+            <a:effectRef idx="2">
+              <a:schemeClr val="accent2"/>
+            </a:effectRef>
+            <a:fontRef idx="minor">
+              <a:schemeClr val="tx1"/>
+            </a:fontRef>
+          </p:style>
+        </p:cxnSp>
+        <p:cxnSp>
+          <p:nvCxnSpPr>
+            <p:cNvPr id="26" name="Straight Connector 25"/>
+            <p:cNvCxnSpPr/>
+            <p:nvPr/>
+          </p:nvCxnSpPr>
+          <p:spPr>
+            <a:xfrm rot="5400000">
+              <a:off x="1677194" y="3580606"/>
+              <a:ext cx="4572000" cy="1588"/>
+            </a:xfrm>
+            <a:prstGeom prst="line">
+              <a:avLst/>
+            </a:prstGeom>
+          </p:spPr>
+          <p:style>
+            <a:lnRef idx="3">
+              <a:schemeClr val="accent2"/>
+            </a:lnRef>
+            <a:fillRef idx="0">
+              <a:schemeClr val="accent2"/>
+            </a:fillRef>
+            <a:effectRef idx="2">
+              <a:schemeClr val="accent2"/>
+            </a:effectRef>
+            <a:fontRef idx="minor">
+              <a:schemeClr val="tx1"/>
+            </a:fontRef>
+          </p:style>
+        </p:cxnSp>
+        <p:cxnSp>
+          <p:nvCxnSpPr>
+            <p:cNvPr id="27" name="Straight Connector 26"/>
+            <p:cNvCxnSpPr/>
+            <p:nvPr/>
+          </p:nvCxnSpPr>
+          <p:spPr>
+            <a:xfrm rot="5400000">
+              <a:off x="-685006" y="3580606"/>
+              <a:ext cx="4572000" cy="1588"/>
+            </a:xfrm>
+            <a:prstGeom prst="line">
+              <a:avLst/>
+            </a:prstGeom>
+          </p:spPr>
+          <p:style>
+            <a:lnRef idx="3">
+              <a:schemeClr val="accent2"/>
+            </a:lnRef>
+            <a:fillRef idx="0">
+              <a:schemeClr val="accent2"/>
+            </a:fillRef>
+            <a:effectRef idx="2">
+              <a:schemeClr val="accent2"/>
+            </a:effectRef>
+            <a:fontRef idx="minor">
+              <a:schemeClr val="tx1"/>
+            </a:fontRef>
+          </p:style>
+        </p:cxnSp>
+        <p:cxnSp>
+          <p:nvCxnSpPr>
+            <p:cNvPr id="32" name="Straight Connector 31"/>
+            <p:cNvCxnSpPr/>
+            <p:nvPr/>
+          </p:nvCxnSpPr>
+          <p:spPr>
+            <a:xfrm>
+              <a:off x="533400" y="2971800"/>
+              <a:ext cx="4572000" cy="0"/>
+            </a:xfrm>
+            <a:prstGeom prst="line">
+              <a:avLst/>
+            </a:prstGeom>
+          </p:spPr>
+          <p:style>
+            <a:lnRef idx="3">
+              <a:schemeClr val="dk1"/>
+            </a:lnRef>
+            <a:fillRef idx="0">
+              <a:schemeClr val="dk1"/>
+            </a:fillRef>
+            <a:effectRef idx="2">
+              <a:schemeClr val="dk1"/>
+            </a:effectRef>
+            <a:fontRef idx="minor">
+              <a:schemeClr val="tx1"/>
+            </a:fontRef>
+          </p:style>
+        </p:cxnSp>
+        <p:cxnSp>
+          <p:nvCxnSpPr>
+            <p:cNvPr id="33" name="Straight Connector 32"/>
+            <p:cNvCxnSpPr/>
+            <p:nvPr/>
+          </p:nvCxnSpPr>
+          <p:spPr>
+            <a:xfrm>
+              <a:off x="533400" y="4114800"/>
+              <a:ext cx="4572000" cy="0"/>
+            </a:xfrm>
+            <a:prstGeom prst="line">
+              <a:avLst/>
+            </a:prstGeom>
+          </p:spPr>
+          <p:style>
+            <a:lnRef idx="3">
+              <a:schemeClr val="dk1"/>
+            </a:lnRef>
+            <a:fillRef idx="0">
+              <a:schemeClr val="dk1"/>
+            </a:fillRef>
+            <a:effectRef idx="2">
+              <a:schemeClr val="dk1"/>
+            </a:effectRef>
+            <a:fontRef idx="minor">
+              <a:schemeClr val="tx1"/>
+            </a:fontRef>
+          </p:style>
+        </p:cxnSp>
+        <p:cxnSp>
+          <p:nvCxnSpPr>
+            <p:cNvPr id="34" name="Straight Connector 33"/>
+            <p:cNvCxnSpPr/>
+            <p:nvPr/>
+          </p:nvCxnSpPr>
+          <p:spPr>
+            <a:xfrm>
+              <a:off x="533400" y="5334000"/>
+              <a:ext cx="4572000" cy="0"/>
+            </a:xfrm>
+            <a:prstGeom prst="line">
+              <a:avLst/>
+            </a:prstGeom>
+          </p:spPr>
+          <p:style>
+            <a:lnRef idx="3">
+              <a:schemeClr val="dk1"/>
+            </a:lnRef>
+            <a:fillRef idx="0">
+              <a:schemeClr val="dk1"/>
+            </a:fillRef>
+            <a:effectRef idx="2">
+              <a:schemeClr val="dk1"/>
+            </a:effectRef>
+            <a:fontRef idx="minor">
+              <a:schemeClr val="tx1"/>
+            </a:fontRef>
+          </p:style>
+        </p:cxnSp>
+        <p:cxnSp>
+          <p:nvCxnSpPr>
+            <p:cNvPr id="35" name="Straight Connector 34"/>
+            <p:cNvCxnSpPr/>
+            <p:nvPr/>
+          </p:nvCxnSpPr>
+          <p:spPr>
+            <a:xfrm>
+              <a:off x="533400" y="1905000"/>
+              <a:ext cx="4572000" cy="0"/>
+            </a:xfrm>
+            <a:prstGeom prst="line">
+              <a:avLst/>
+            </a:prstGeom>
+          </p:spPr>
+          <p:style>
+            <a:lnRef idx="3">
+              <a:schemeClr val="dk1"/>
+            </a:lnRef>
+            <a:fillRef idx="0">
+              <a:schemeClr val="dk1"/>
+            </a:fillRef>
+            <a:effectRef idx="2">
+              <a:schemeClr val="dk1"/>
+            </a:effectRef>
+            <a:fontRef idx="minor">
+              <a:schemeClr val="tx1"/>
+            </a:fontRef>
+          </p:style>
+        </p:cxnSp>
+      </p:grpSp>
       <p:sp>
         <p:nvSpPr>
-          <p:cNvPr id="19" name="TextBox 18"/>
+          <p:cNvPr id="28" name="TextBox 27"/>
           <p:cNvSpPr txBox="1"/>
           <p:nvPr/>
         </p:nvSpPr>
@@ -5239,447 +6049,12 @@
             <a:pPr algn="ctr"/>
             <a:r>
               <a:rPr lang="en-US" sz="3600" dirty="0" smtClean="0"/>
-              <a:t>Restrict</a:t>
+              <a:t>Restrict, N nodes = 9</a:t>
             </a:r>
             <a:endParaRPr lang="en-US" sz="3600" dirty="0"/>
           </a:p>
         </p:txBody>
       </p:sp>
-      <p:grpSp>
-        <p:nvGrpSpPr>
-          <p:cNvPr id="37" name="Group 36"/>
-          <p:cNvGrpSpPr/>
-          <p:nvPr/>
-        </p:nvGrpSpPr>
-        <p:grpSpPr>
-          <a:xfrm>
-            <a:off x="533400" y="1295400"/>
-            <a:ext cx="4573588" cy="4572000"/>
-            <a:chOff x="533400" y="1295400"/>
-            <a:chExt cx="4573588" cy="4572000"/>
-          </a:xfrm>
-        </p:grpSpPr>
-        <p:cxnSp>
-          <p:nvCxnSpPr>
-            <p:cNvPr id="16" name="Straight Connector 15"/>
-            <p:cNvCxnSpPr/>
-            <p:nvPr/>
-          </p:nvCxnSpPr>
-          <p:spPr>
-            <a:xfrm>
-              <a:off x="533400" y="1295400"/>
-              <a:ext cx="4572000" cy="0"/>
-            </a:xfrm>
-            <a:prstGeom prst="line">
-              <a:avLst/>
-            </a:prstGeom>
-          </p:spPr>
-          <p:style>
-            <a:lnRef idx="3">
-              <a:schemeClr val="accent2"/>
-            </a:lnRef>
-            <a:fillRef idx="0">
-              <a:schemeClr val="accent2"/>
-            </a:fillRef>
-            <a:effectRef idx="2">
-              <a:schemeClr val="accent2"/>
-            </a:effectRef>
-            <a:fontRef idx="minor">
-              <a:schemeClr val="tx1"/>
-            </a:fontRef>
-          </p:style>
-        </p:cxnSp>
-        <p:cxnSp>
-          <p:nvCxnSpPr>
-            <p:cNvPr id="17" name="Straight Connector 16"/>
-            <p:cNvCxnSpPr/>
-            <p:nvPr/>
-          </p:nvCxnSpPr>
-          <p:spPr>
-            <a:xfrm rot="5400000">
-              <a:off x="-1751806" y="3580606"/>
-              <a:ext cx="4572000" cy="1588"/>
-            </a:xfrm>
-            <a:prstGeom prst="line">
-              <a:avLst/>
-            </a:prstGeom>
-          </p:spPr>
-          <p:style>
-            <a:lnRef idx="3">
-              <a:schemeClr val="accent2"/>
-            </a:lnRef>
-            <a:fillRef idx="0">
-              <a:schemeClr val="accent2"/>
-            </a:fillRef>
-            <a:effectRef idx="2">
-              <a:schemeClr val="accent2"/>
-            </a:effectRef>
-            <a:fontRef idx="minor">
-              <a:schemeClr val="tx1"/>
-            </a:fontRef>
-          </p:style>
-        </p:cxnSp>
-        <p:cxnSp>
-          <p:nvCxnSpPr>
-            <p:cNvPr id="20" name="Straight Connector 19"/>
-            <p:cNvCxnSpPr/>
-            <p:nvPr/>
-          </p:nvCxnSpPr>
-          <p:spPr>
-            <a:xfrm rot="5400000">
-              <a:off x="2820194" y="3580606"/>
-              <a:ext cx="4572000" cy="1588"/>
-            </a:xfrm>
-            <a:prstGeom prst="line">
-              <a:avLst/>
-            </a:prstGeom>
-          </p:spPr>
-          <p:style>
-            <a:lnRef idx="3">
-              <a:schemeClr val="accent2"/>
-            </a:lnRef>
-            <a:fillRef idx="0">
-              <a:schemeClr val="accent2"/>
-            </a:fillRef>
-            <a:effectRef idx="2">
-              <a:schemeClr val="accent2"/>
-            </a:effectRef>
-            <a:fontRef idx="minor">
-              <a:schemeClr val="tx1"/>
-            </a:fontRef>
-          </p:style>
-        </p:cxnSp>
-        <p:cxnSp>
-          <p:nvCxnSpPr>
-            <p:cNvPr id="21" name="Straight Connector 20"/>
-            <p:cNvCxnSpPr/>
-            <p:nvPr/>
-          </p:nvCxnSpPr>
-          <p:spPr>
-            <a:xfrm>
-              <a:off x="533400" y="5867400"/>
-              <a:ext cx="4572000" cy="0"/>
-            </a:xfrm>
-            <a:prstGeom prst="line">
-              <a:avLst/>
-            </a:prstGeom>
-          </p:spPr>
-          <p:style>
-            <a:lnRef idx="3">
-              <a:schemeClr val="accent2"/>
-            </a:lnRef>
-            <a:fillRef idx="0">
-              <a:schemeClr val="accent2"/>
-            </a:fillRef>
-            <a:effectRef idx="2">
-              <a:schemeClr val="accent2"/>
-            </a:effectRef>
-            <a:fontRef idx="minor">
-              <a:schemeClr val="tx1"/>
-            </a:fontRef>
-          </p:style>
-        </p:cxnSp>
-        <p:cxnSp>
-          <p:nvCxnSpPr>
-            <p:cNvPr id="22" name="Straight Connector 21"/>
-            <p:cNvCxnSpPr/>
-            <p:nvPr/>
-          </p:nvCxnSpPr>
-          <p:spPr>
-            <a:xfrm>
-              <a:off x="533400" y="3505200"/>
-              <a:ext cx="4572000" cy="0"/>
-            </a:xfrm>
-            <a:prstGeom prst="line">
-              <a:avLst/>
-            </a:prstGeom>
-          </p:spPr>
-          <p:style>
-            <a:lnRef idx="3">
-              <a:schemeClr val="accent2"/>
-            </a:lnRef>
-            <a:fillRef idx="0">
-              <a:schemeClr val="accent2"/>
-            </a:fillRef>
-            <a:effectRef idx="2">
-              <a:schemeClr val="accent2"/>
-            </a:effectRef>
-            <a:fontRef idx="minor">
-              <a:schemeClr val="tx1"/>
-            </a:fontRef>
-          </p:style>
-        </p:cxnSp>
-        <p:cxnSp>
-          <p:nvCxnSpPr>
-            <p:cNvPr id="23" name="Straight Connector 22"/>
-            <p:cNvCxnSpPr/>
-            <p:nvPr/>
-          </p:nvCxnSpPr>
-          <p:spPr>
-            <a:xfrm>
-              <a:off x="533400" y="4648200"/>
-              <a:ext cx="4572000" cy="0"/>
-            </a:xfrm>
-            <a:prstGeom prst="line">
-              <a:avLst/>
-            </a:prstGeom>
-          </p:spPr>
-          <p:style>
-            <a:lnRef idx="3">
-              <a:schemeClr val="accent2"/>
-            </a:lnRef>
-            <a:fillRef idx="0">
-              <a:schemeClr val="accent2"/>
-            </a:fillRef>
-            <a:effectRef idx="2">
-              <a:schemeClr val="accent2"/>
-            </a:effectRef>
-            <a:fontRef idx="minor">
-              <a:schemeClr val="tx1"/>
-            </a:fontRef>
-          </p:style>
-        </p:cxnSp>
-        <p:cxnSp>
-          <p:nvCxnSpPr>
-            <p:cNvPr id="24" name="Straight Connector 23"/>
-            <p:cNvCxnSpPr/>
-            <p:nvPr/>
-          </p:nvCxnSpPr>
-          <p:spPr>
-            <a:xfrm>
-              <a:off x="533400" y="2438400"/>
-              <a:ext cx="4572000" cy="0"/>
-            </a:xfrm>
-            <a:prstGeom prst="line">
-              <a:avLst/>
-            </a:prstGeom>
-          </p:spPr>
-          <p:style>
-            <a:lnRef idx="3">
-              <a:schemeClr val="accent2"/>
-            </a:lnRef>
-            <a:fillRef idx="0">
-              <a:schemeClr val="accent2"/>
-            </a:fillRef>
-            <a:effectRef idx="2">
-              <a:schemeClr val="accent2"/>
-            </a:effectRef>
-            <a:fontRef idx="minor">
-              <a:schemeClr val="tx1"/>
-            </a:fontRef>
-          </p:style>
-        </p:cxnSp>
-        <p:cxnSp>
-          <p:nvCxnSpPr>
-            <p:cNvPr id="25" name="Straight Connector 24"/>
-            <p:cNvCxnSpPr/>
-            <p:nvPr/>
-          </p:nvCxnSpPr>
-          <p:spPr>
-            <a:xfrm rot="5400000">
-              <a:off x="534194" y="3580606"/>
-              <a:ext cx="4572000" cy="1588"/>
-            </a:xfrm>
-            <a:prstGeom prst="line">
-              <a:avLst/>
-            </a:prstGeom>
-          </p:spPr>
-          <p:style>
-            <a:lnRef idx="3">
-              <a:schemeClr val="accent2"/>
-            </a:lnRef>
-            <a:fillRef idx="0">
-              <a:schemeClr val="accent2"/>
-            </a:fillRef>
-            <a:effectRef idx="2">
-              <a:schemeClr val="accent2"/>
-            </a:effectRef>
-            <a:fontRef idx="minor">
-              <a:schemeClr val="tx1"/>
-            </a:fontRef>
-          </p:style>
-        </p:cxnSp>
-        <p:cxnSp>
-          <p:nvCxnSpPr>
-            <p:cNvPr id="26" name="Straight Connector 25"/>
-            <p:cNvCxnSpPr/>
-            <p:nvPr/>
-          </p:nvCxnSpPr>
-          <p:spPr>
-            <a:xfrm rot="5400000">
-              <a:off x="1677194" y="3580606"/>
-              <a:ext cx="4572000" cy="1588"/>
-            </a:xfrm>
-            <a:prstGeom prst="line">
-              <a:avLst/>
-            </a:prstGeom>
-          </p:spPr>
-          <p:style>
-            <a:lnRef idx="3">
-              <a:schemeClr val="accent2"/>
-            </a:lnRef>
-            <a:fillRef idx="0">
-              <a:schemeClr val="accent2"/>
-            </a:fillRef>
-            <a:effectRef idx="2">
-              <a:schemeClr val="accent2"/>
-            </a:effectRef>
-            <a:fontRef idx="minor">
-              <a:schemeClr val="tx1"/>
-            </a:fontRef>
-          </p:style>
-        </p:cxnSp>
-        <p:cxnSp>
-          <p:nvCxnSpPr>
-            <p:cNvPr id="27" name="Straight Connector 26"/>
-            <p:cNvCxnSpPr/>
-            <p:nvPr/>
-          </p:nvCxnSpPr>
-          <p:spPr>
-            <a:xfrm rot="5400000">
-              <a:off x="-685006" y="3580606"/>
-              <a:ext cx="4572000" cy="1588"/>
-            </a:xfrm>
-            <a:prstGeom prst="line">
-              <a:avLst/>
-            </a:prstGeom>
-          </p:spPr>
-          <p:style>
-            <a:lnRef idx="3">
-              <a:schemeClr val="accent2"/>
-            </a:lnRef>
-            <a:fillRef idx="0">
-              <a:schemeClr val="accent2"/>
-            </a:fillRef>
-            <a:effectRef idx="2">
-              <a:schemeClr val="accent2"/>
-            </a:effectRef>
-            <a:fontRef idx="minor">
-              <a:schemeClr val="tx1"/>
-            </a:fontRef>
-          </p:style>
-        </p:cxnSp>
-        <p:cxnSp>
-          <p:nvCxnSpPr>
-            <p:cNvPr id="32" name="Straight Connector 31"/>
-            <p:cNvCxnSpPr/>
-            <p:nvPr/>
-          </p:nvCxnSpPr>
-          <p:spPr>
-            <a:xfrm>
-              <a:off x="533400" y="2971800"/>
-              <a:ext cx="4572000" cy="0"/>
-            </a:xfrm>
-            <a:prstGeom prst="line">
-              <a:avLst/>
-            </a:prstGeom>
-          </p:spPr>
-          <p:style>
-            <a:lnRef idx="3">
-              <a:schemeClr val="dk1"/>
-            </a:lnRef>
-            <a:fillRef idx="0">
-              <a:schemeClr val="dk1"/>
-            </a:fillRef>
-            <a:effectRef idx="2">
-              <a:schemeClr val="dk1"/>
-            </a:effectRef>
-            <a:fontRef idx="minor">
-              <a:schemeClr val="tx1"/>
-            </a:fontRef>
-          </p:style>
-        </p:cxnSp>
-        <p:cxnSp>
-          <p:nvCxnSpPr>
-            <p:cNvPr id="33" name="Straight Connector 32"/>
-            <p:cNvCxnSpPr/>
-            <p:nvPr/>
-          </p:nvCxnSpPr>
-          <p:spPr>
-            <a:xfrm>
-              <a:off x="533400" y="4114800"/>
-              <a:ext cx="4572000" cy="0"/>
-            </a:xfrm>
-            <a:prstGeom prst="line">
-              <a:avLst/>
-            </a:prstGeom>
-          </p:spPr>
-          <p:style>
-            <a:lnRef idx="3">
-              <a:schemeClr val="dk1"/>
-            </a:lnRef>
-            <a:fillRef idx="0">
-              <a:schemeClr val="dk1"/>
-            </a:fillRef>
-            <a:effectRef idx="2">
-              <a:schemeClr val="dk1"/>
-            </a:effectRef>
-            <a:fontRef idx="minor">
-              <a:schemeClr val="tx1"/>
-            </a:fontRef>
-          </p:style>
-        </p:cxnSp>
-        <p:cxnSp>
-          <p:nvCxnSpPr>
-            <p:cNvPr id="34" name="Straight Connector 33"/>
-            <p:cNvCxnSpPr/>
-            <p:nvPr/>
-          </p:nvCxnSpPr>
-          <p:spPr>
-            <a:xfrm>
-              <a:off x="533400" y="5334000"/>
-              <a:ext cx="4572000" cy="0"/>
-            </a:xfrm>
-            <a:prstGeom prst="line">
-              <a:avLst/>
-            </a:prstGeom>
-          </p:spPr>
-          <p:style>
-            <a:lnRef idx="3">
-              <a:schemeClr val="dk1"/>
-            </a:lnRef>
-            <a:fillRef idx="0">
-              <a:schemeClr val="dk1"/>
-            </a:fillRef>
-            <a:effectRef idx="2">
-              <a:schemeClr val="dk1"/>
-            </a:effectRef>
-            <a:fontRef idx="minor">
-              <a:schemeClr val="tx1"/>
-            </a:fontRef>
-          </p:style>
-        </p:cxnSp>
-        <p:cxnSp>
-          <p:nvCxnSpPr>
-            <p:cNvPr id="35" name="Straight Connector 34"/>
-            <p:cNvCxnSpPr/>
-            <p:nvPr/>
-          </p:nvCxnSpPr>
-          <p:spPr>
-            <a:xfrm>
-              <a:off x="533400" y="1905000"/>
-              <a:ext cx="4572000" cy="0"/>
-            </a:xfrm>
-            <a:prstGeom prst="line">
-              <a:avLst/>
-            </a:prstGeom>
-          </p:spPr>
-          <p:style>
-            <a:lnRef idx="3">
-              <a:schemeClr val="dk1"/>
-            </a:lnRef>
-            <a:fillRef idx="0">
-              <a:schemeClr val="dk1"/>
-            </a:fillRef>
-            <a:effectRef idx="2">
-              <a:schemeClr val="dk1"/>
-            </a:effectRef>
-            <a:fontRef idx="minor">
-              <a:schemeClr val="tx1"/>
-            </a:fontRef>
-          </p:style>
-        </p:cxnSp>
-      </p:grpSp>
     </p:spTree>
   </p:cSld>
   <p:clrMapOvr>
@@ -5705,9 +6080,324 @@
           <a:chExt cx="0" cy="0"/>
         </a:xfrm>
       </p:grpSpPr>
+      <p:grpSp>
+        <p:nvGrpSpPr>
+          <p:cNvPr id="15" name="Group 14"/>
+          <p:cNvGrpSpPr/>
+          <p:nvPr/>
+        </p:nvGrpSpPr>
+        <p:grpSpPr>
+          <a:xfrm>
+            <a:off x="533400" y="1295400"/>
+            <a:ext cx="4573588" cy="4572000"/>
+            <a:chOff x="533400" y="1295400"/>
+            <a:chExt cx="4573588" cy="4572000"/>
+          </a:xfrm>
+        </p:grpSpPr>
+        <p:cxnSp>
+          <p:nvCxnSpPr>
+            <p:cNvPr id="16" name="Straight Connector 15"/>
+            <p:cNvCxnSpPr/>
+            <p:nvPr/>
+          </p:nvCxnSpPr>
+          <p:spPr>
+            <a:xfrm>
+              <a:off x="533400" y="1295400"/>
+              <a:ext cx="4572000" cy="0"/>
+            </a:xfrm>
+            <a:prstGeom prst="line">
+              <a:avLst/>
+            </a:prstGeom>
+          </p:spPr>
+          <p:style>
+            <a:lnRef idx="3">
+              <a:schemeClr val="accent2"/>
+            </a:lnRef>
+            <a:fillRef idx="0">
+              <a:schemeClr val="accent2"/>
+            </a:fillRef>
+            <a:effectRef idx="2">
+              <a:schemeClr val="accent2"/>
+            </a:effectRef>
+            <a:fontRef idx="minor">
+              <a:schemeClr val="tx1"/>
+            </a:fontRef>
+          </p:style>
+        </p:cxnSp>
+        <p:cxnSp>
+          <p:nvCxnSpPr>
+            <p:cNvPr id="17" name="Straight Connector 16"/>
+            <p:cNvCxnSpPr/>
+            <p:nvPr/>
+          </p:nvCxnSpPr>
+          <p:spPr>
+            <a:xfrm rot="5400000">
+              <a:off x="-1751806" y="3580606"/>
+              <a:ext cx="4572000" cy="1588"/>
+            </a:xfrm>
+            <a:prstGeom prst="line">
+              <a:avLst/>
+            </a:prstGeom>
+          </p:spPr>
+          <p:style>
+            <a:lnRef idx="3">
+              <a:schemeClr val="accent2"/>
+            </a:lnRef>
+            <a:fillRef idx="0">
+              <a:schemeClr val="accent2"/>
+            </a:fillRef>
+            <a:effectRef idx="2">
+              <a:schemeClr val="accent2"/>
+            </a:effectRef>
+            <a:fontRef idx="minor">
+              <a:schemeClr val="tx1"/>
+            </a:fontRef>
+          </p:style>
+        </p:cxnSp>
+        <p:cxnSp>
+          <p:nvCxnSpPr>
+            <p:cNvPr id="18" name="Straight Connector 17"/>
+            <p:cNvCxnSpPr/>
+            <p:nvPr/>
+          </p:nvCxnSpPr>
+          <p:spPr>
+            <a:xfrm rot="5400000">
+              <a:off x="2820194" y="3580606"/>
+              <a:ext cx="4572000" cy="1588"/>
+            </a:xfrm>
+            <a:prstGeom prst="line">
+              <a:avLst/>
+            </a:prstGeom>
+          </p:spPr>
+          <p:style>
+            <a:lnRef idx="3">
+              <a:schemeClr val="accent2"/>
+            </a:lnRef>
+            <a:fillRef idx="0">
+              <a:schemeClr val="accent2"/>
+            </a:fillRef>
+            <a:effectRef idx="2">
+              <a:schemeClr val="accent2"/>
+            </a:effectRef>
+            <a:fontRef idx="minor">
+              <a:schemeClr val="tx1"/>
+            </a:fontRef>
+          </p:style>
+        </p:cxnSp>
+        <p:cxnSp>
+          <p:nvCxnSpPr>
+            <p:cNvPr id="20" name="Straight Connector 19"/>
+            <p:cNvCxnSpPr/>
+            <p:nvPr/>
+          </p:nvCxnSpPr>
+          <p:spPr>
+            <a:xfrm>
+              <a:off x="533400" y="5867400"/>
+              <a:ext cx="4572000" cy="0"/>
+            </a:xfrm>
+            <a:prstGeom prst="line">
+              <a:avLst/>
+            </a:prstGeom>
+          </p:spPr>
+          <p:style>
+            <a:lnRef idx="3">
+              <a:schemeClr val="accent2"/>
+            </a:lnRef>
+            <a:fillRef idx="0">
+              <a:schemeClr val="accent2"/>
+            </a:fillRef>
+            <a:effectRef idx="2">
+              <a:schemeClr val="accent2"/>
+            </a:effectRef>
+            <a:fontRef idx="minor">
+              <a:schemeClr val="tx1"/>
+            </a:fontRef>
+          </p:style>
+        </p:cxnSp>
+        <p:cxnSp>
+          <p:nvCxnSpPr>
+            <p:cNvPr id="21" name="Straight Connector 20"/>
+            <p:cNvCxnSpPr/>
+            <p:nvPr/>
+          </p:nvCxnSpPr>
+          <p:spPr>
+            <a:xfrm>
+              <a:off x="533400" y="3505200"/>
+              <a:ext cx="4572000" cy="0"/>
+            </a:xfrm>
+            <a:prstGeom prst="line">
+              <a:avLst/>
+            </a:prstGeom>
+          </p:spPr>
+          <p:style>
+            <a:lnRef idx="3">
+              <a:schemeClr val="accent2"/>
+            </a:lnRef>
+            <a:fillRef idx="0">
+              <a:schemeClr val="accent2"/>
+            </a:fillRef>
+            <a:effectRef idx="2">
+              <a:schemeClr val="accent2"/>
+            </a:effectRef>
+            <a:fontRef idx="minor">
+              <a:schemeClr val="tx1"/>
+            </a:fontRef>
+          </p:style>
+        </p:cxnSp>
+        <p:cxnSp>
+          <p:nvCxnSpPr>
+            <p:cNvPr id="22" name="Straight Connector 21"/>
+            <p:cNvCxnSpPr/>
+            <p:nvPr/>
+          </p:nvCxnSpPr>
+          <p:spPr>
+            <a:xfrm>
+              <a:off x="533400" y="4648200"/>
+              <a:ext cx="4572000" cy="0"/>
+            </a:xfrm>
+            <a:prstGeom prst="line">
+              <a:avLst/>
+            </a:prstGeom>
+          </p:spPr>
+          <p:style>
+            <a:lnRef idx="3">
+              <a:schemeClr val="accent2"/>
+            </a:lnRef>
+            <a:fillRef idx="0">
+              <a:schemeClr val="accent2"/>
+            </a:fillRef>
+            <a:effectRef idx="2">
+              <a:schemeClr val="accent2"/>
+            </a:effectRef>
+            <a:fontRef idx="minor">
+              <a:schemeClr val="tx1"/>
+            </a:fontRef>
+          </p:style>
+        </p:cxnSp>
+        <p:cxnSp>
+          <p:nvCxnSpPr>
+            <p:cNvPr id="23" name="Straight Connector 22"/>
+            <p:cNvCxnSpPr/>
+            <p:nvPr/>
+          </p:nvCxnSpPr>
+          <p:spPr>
+            <a:xfrm>
+              <a:off x="533400" y="2438400"/>
+              <a:ext cx="4572000" cy="0"/>
+            </a:xfrm>
+            <a:prstGeom prst="line">
+              <a:avLst/>
+            </a:prstGeom>
+          </p:spPr>
+          <p:style>
+            <a:lnRef idx="3">
+              <a:schemeClr val="accent2"/>
+            </a:lnRef>
+            <a:fillRef idx="0">
+              <a:schemeClr val="accent2"/>
+            </a:fillRef>
+            <a:effectRef idx="2">
+              <a:schemeClr val="accent2"/>
+            </a:effectRef>
+            <a:fontRef idx="minor">
+              <a:schemeClr val="tx1"/>
+            </a:fontRef>
+          </p:style>
+        </p:cxnSp>
+        <p:cxnSp>
+          <p:nvCxnSpPr>
+            <p:cNvPr id="24" name="Straight Connector 23"/>
+            <p:cNvCxnSpPr/>
+            <p:nvPr/>
+          </p:nvCxnSpPr>
+          <p:spPr>
+            <a:xfrm rot="5400000">
+              <a:off x="534194" y="3580606"/>
+              <a:ext cx="4572000" cy="1588"/>
+            </a:xfrm>
+            <a:prstGeom prst="line">
+              <a:avLst/>
+            </a:prstGeom>
+          </p:spPr>
+          <p:style>
+            <a:lnRef idx="3">
+              <a:schemeClr val="accent2"/>
+            </a:lnRef>
+            <a:fillRef idx="0">
+              <a:schemeClr val="accent2"/>
+            </a:fillRef>
+            <a:effectRef idx="2">
+              <a:schemeClr val="accent2"/>
+            </a:effectRef>
+            <a:fontRef idx="minor">
+              <a:schemeClr val="tx1"/>
+            </a:fontRef>
+          </p:style>
+        </p:cxnSp>
+        <p:cxnSp>
+          <p:nvCxnSpPr>
+            <p:cNvPr id="25" name="Straight Connector 24"/>
+            <p:cNvCxnSpPr/>
+            <p:nvPr/>
+          </p:nvCxnSpPr>
+          <p:spPr>
+            <a:xfrm rot="5400000">
+              <a:off x="1677194" y="3580606"/>
+              <a:ext cx="4572000" cy="1588"/>
+            </a:xfrm>
+            <a:prstGeom prst="line">
+              <a:avLst/>
+            </a:prstGeom>
+          </p:spPr>
+          <p:style>
+            <a:lnRef idx="3">
+              <a:schemeClr val="accent2"/>
+            </a:lnRef>
+            <a:fillRef idx="0">
+              <a:schemeClr val="accent2"/>
+            </a:fillRef>
+            <a:effectRef idx="2">
+              <a:schemeClr val="accent2"/>
+            </a:effectRef>
+            <a:fontRef idx="minor">
+              <a:schemeClr val="tx1"/>
+            </a:fontRef>
+          </p:style>
+        </p:cxnSp>
+        <p:cxnSp>
+          <p:nvCxnSpPr>
+            <p:cNvPr id="26" name="Straight Connector 25"/>
+            <p:cNvCxnSpPr/>
+            <p:nvPr/>
+          </p:nvCxnSpPr>
+          <p:spPr>
+            <a:xfrm rot="5400000">
+              <a:off x="-685006" y="3580606"/>
+              <a:ext cx="4572000" cy="1588"/>
+            </a:xfrm>
+            <a:prstGeom prst="line">
+              <a:avLst/>
+            </a:prstGeom>
+          </p:spPr>
+          <p:style>
+            <a:lnRef idx="3">
+              <a:schemeClr val="accent2"/>
+            </a:lnRef>
+            <a:fillRef idx="0">
+              <a:schemeClr val="accent2"/>
+            </a:fillRef>
+            <a:effectRef idx="2">
+              <a:schemeClr val="accent2"/>
+            </a:effectRef>
+            <a:fontRef idx="minor">
+              <a:schemeClr val="tx1"/>
+            </a:fontRef>
+          </p:style>
+        </p:cxnSp>
+      </p:grpSp>
       <p:sp>
         <p:nvSpPr>
-          <p:cNvPr id="14" name="TextBox 13"/>
+          <p:cNvPr id="19" name="TextBox 18"/>
           <p:cNvSpPr txBox="1"/>
           <p:nvPr/>
         </p:nvSpPr>
@@ -5730,7 +6420,96 @@
             <a:pPr algn="ctr"/>
             <a:r>
               <a:rPr lang="en-US" sz="3600" dirty="0" smtClean="0"/>
-              <a:t>Restrict</a:t>
+              <a:t>Restrict, N nodes = 9</a:t>
+            </a:r>
+            <a:endParaRPr lang="en-US" sz="3600" dirty="0"/>
+          </a:p>
+        </p:txBody>
+      </p:sp>
+    </p:spTree>
+  </p:cSld>
+  <p:clrMapOvr>
+    <a:masterClrMapping/>
+  </p:clrMapOvr>
+</p:sld>
+</file>
+
+<file path=ppt/slides/slide7.xml><?xml version="1.0" encoding="utf-8"?>
+<p:sld xmlns:a="http://schemas.openxmlformats.org/drawingml/2006/main" xmlns:r="http://schemas.openxmlformats.org/officeDocument/2006/relationships" xmlns:p="http://schemas.openxmlformats.org/presentationml/2006/main">
+  <p:cSld>
+    <p:spTree>
+      <p:nvGrpSpPr>
+        <p:cNvPr id="1" name=""/>
+        <p:cNvGrpSpPr/>
+        <p:nvPr/>
+      </p:nvGrpSpPr>
+      <p:grpSpPr>
+        <a:xfrm>
+          <a:off x="0" y="0"/>
+          <a:ext cx="0" cy="0"/>
+          <a:chOff x="0" y="0"/>
+          <a:chExt cx="0" cy="0"/>
+        </a:xfrm>
+      </p:grpSpPr>
+      <p:cxnSp>
+        <p:nvCxnSpPr>
+          <p:cNvPr id="18" name="Straight Arrow Connector 17"/>
+          <p:cNvCxnSpPr/>
+          <p:nvPr/>
+        </p:nvCxnSpPr>
+        <p:spPr>
+          <a:xfrm>
+            <a:off x="4191000" y="6553200"/>
+            <a:ext cx="609600" cy="1588"/>
+          </a:xfrm>
+          <a:prstGeom prst="straightConnector1">
+            <a:avLst/>
+          </a:prstGeom>
+          <a:ln>
+            <a:tailEnd type="arrow"/>
+          </a:ln>
+        </p:spPr>
+        <p:style>
+          <a:lnRef idx="3">
+            <a:schemeClr val="dk1"/>
+          </a:lnRef>
+          <a:fillRef idx="0">
+            <a:schemeClr val="dk1"/>
+          </a:fillRef>
+          <a:effectRef idx="2">
+            <a:schemeClr val="dk1"/>
+          </a:effectRef>
+          <a:fontRef idx="minor">
+            <a:schemeClr val="tx1"/>
+          </a:fontRef>
+        </p:style>
+      </p:cxnSp>
+      <p:sp>
+        <p:nvSpPr>
+          <p:cNvPr id="36" name="TextBox 35"/>
+          <p:cNvSpPr txBox="1"/>
+          <p:nvPr/>
+        </p:nvSpPr>
+        <p:spPr>
+          <a:xfrm>
+            <a:off x="0" y="0"/>
+            <a:ext cx="9144000" cy="646331"/>
+          </a:xfrm>
+          <a:prstGeom prst="rect">
+            <a:avLst/>
+          </a:prstGeom>
+          <a:noFill/>
+        </p:spPr>
+        <p:txBody>
+          <a:bodyPr wrap="square" rtlCol="0">
+            <a:spAutoFit/>
+          </a:bodyPr>
+          <a:lstStyle/>
+          <a:p>
+            <a:pPr algn="ctr"/>
+            <a:r>
+              <a:rPr lang="en-US" sz="3600" dirty="0" smtClean="0"/>
+              <a:t>Restrict, N nodes = 8</a:t>
             </a:r>
             <a:endParaRPr lang="en-US" sz="3600" dirty="0"/>
           </a:p>
@@ -5738,7 +6517,7 @@
       </p:sp>
       <p:grpSp>
         <p:nvGrpSpPr>
-          <p:cNvPr id="15" name="Group 14"/>
+          <p:cNvPr id="37" name="Group 36"/>
           <p:cNvGrpSpPr/>
           <p:nvPr/>
         </p:nvGrpSpPr>
@@ -5752,7 +6531,7 @@
         </p:grpSpPr>
         <p:cxnSp>
           <p:nvCxnSpPr>
-            <p:cNvPr id="16" name="Straight Connector 15"/>
+            <p:cNvPr id="38" name="Straight Connector 37"/>
             <p:cNvCxnSpPr/>
             <p:nvPr/>
           </p:nvCxnSpPr>
@@ -5782,7 +6561,7 @@
         </p:cxnSp>
         <p:cxnSp>
           <p:nvCxnSpPr>
-            <p:cNvPr id="17" name="Straight Connector 16"/>
+            <p:cNvPr id="39" name="Straight Connector 38"/>
             <p:cNvCxnSpPr/>
             <p:nvPr/>
           </p:nvCxnSpPr>
@@ -5812,7 +6591,7 @@
         </p:cxnSp>
         <p:cxnSp>
           <p:nvCxnSpPr>
-            <p:cNvPr id="18" name="Straight Connector 17"/>
+            <p:cNvPr id="40" name="Straight Connector 39"/>
             <p:cNvCxnSpPr/>
             <p:nvPr/>
           </p:nvCxnSpPr>
@@ -5842,11 +6621,3515 @@
         </p:cxnSp>
         <p:cxnSp>
           <p:nvCxnSpPr>
+            <p:cNvPr id="41" name="Straight Connector 40"/>
+            <p:cNvCxnSpPr/>
+            <p:nvPr/>
+          </p:nvCxnSpPr>
+          <p:spPr>
+            <a:xfrm>
+              <a:off x="533400" y="5867400"/>
+              <a:ext cx="4572000" cy="0"/>
+            </a:xfrm>
+            <a:prstGeom prst="line">
+              <a:avLst/>
+            </a:prstGeom>
+          </p:spPr>
+          <p:style>
+            <a:lnRef idx="3">
+              <a:schemeClr val="accent2"/>
+            </a:lnRef>
+            <a:fillRef idx="0">
+              <a:schemeClr val="accent2"/>
+            </a:fillRef>
+            <a:effectRef idx="2">
+              <a:schemeClr val="accent2"/>
+            </a:effectRef>
+            <a:fontRef idx="minor">
+              <a:schemeClr val="tx1"/>
+            </a:fontRef>
+          </p:style>
+        </p:cxnSp>
+        <p:cxnSp>
+          <p:nvCxnSpPr>
+            <p:cNvPr id="42" name="Straight Connector 41"/>
+            <p:cNvCxnSpPr/>
+            <p:nvPr/>
+          </p:nvCxnSpPr>
+          <p:spPr>
+            <a:xfrm>
+              <a:off x="533400" y="3975100"/>
+              <a:ext cx="4572000" cy="0"/>
+            </a:xfrm>
+            <a:prstGeom prst="line">
+              <a:avLst/>
+            </a:prstGeom>
+          </p:spPr>
+          <p:style>
+            <a:lnRef idx="3">
+              <a:schemeClr val="accent2"/>
+            </a:lnRef>
+            <a:fillRef idx="0">
+              <a:schemeClr val="accent2"/>
+            </a:fillRef>
+            <a:effectRef idx="2">
+              <a:schemeClr val="accent2"/>
+            </a:effectRef>
+            <a:fontRef idx="minor">
+              <a:schemeClr val="tx1"/>
+            </a:fontRef>
+          </p:style>
+        </p:cxnSp>
+        <p:cxnSp>
+          <p:nvCxnSpPr>
+            <p:cNvPr id="43" name="Straight Connector 42"/>
+            <p:cNvCxnSpPr/>
+            <p:nvPr/>
+          </p:nvCxnSpPr>
+          <p:spPr>
+            <a:xfrm>
+              <a:off x="533400" y="4572000"/>
+              <a:ext cx="4572000" cy="0"/>
+            </a:xfrm>
+            <a:prstGeom prst="line">
+              <a:avLst/>
+            </a:prstGeom>
+          </p:spPr>
+          <p:style>
+            <a:lnRef idx="3">
+              <a:schemeClr val="accent2"/>
+            </a:lnRef>
+            <a:fillRef idx="0">
+              <a:schemeClr val="accent2"/>
+            </a:fillRef>
+            <a:effectRef idx="2">
+              <a:schemeClr val="accent2"/>
+            </a:effectRef>
+            <a:fontRef idx="minor">
+              <a:schemeClr val="tx1"/>
+            </a:fontRef>
+          </p:style>
+        </p:cxnSp>
+        <p:cxnSp>
+          <p:nvCxnSpPr>
+            <p:cNvPr id="44" name="Straight Connector 43"/>
+            <p:cNvCxnSpPr/>
+            <p:nvPr/>
+          </p:nvCxnSpPr>
+          <p:spPr>
+            <a:xfrm>
+              <a:off x="533400" y="2628900"/>
+              <a:ext cx="4572000" cy="0"/>
+            </a:xfrm>
+            <a:prstGeom prst="line">
+              <a:avLst/>
+            </a:prstGeom>
+          </p:spPr>
+          <p:style>
+            <a:lnRef idx="3">
+              <a:schemeClr val="accent2"/>
+            </a:lnRef>
+            <a:fillRef idx="0">
+              <a:schemeClr val="accent2"/>
+            </a:fillRef>
+            <a:effectRef idx="2">
+              <a:schemeClr val="accent2"/>
+            </a:effectRef>
+            <a:fontRef idx="minor">
+              <a:schemeClr val="tx1"/>
+            </a:fontRef>
+          </p:style>
+        </p:cxnSp>
+        <p:cxnSp>
+          <p:nvCxnSpPr>
+            <p:cNvPr id="45" name="Straight Connector 44"/>
+            <p:cNvCxnSpPr/>
+            <p:nvPr/>
+          </p:nvCxnSpPr>
+          <p:spPr>
+            <a:xfrm rot="5400000">
+              <a:off x="710405" y="3580606"/>
+              <a:ext cx="4572000" cy="1588"/>
+            </a:xfrm>
+            <a:prstGeom prst="line">
+              <a:avLst/>
+            </a:prstGeom>
+          </p:spPr>
+          <p:style>
+            <a:lnRef idx="3">
+              <a:schemeClr val="accent2"/>
+            </a:lnRef>
+            <a:fillRef idx="0">
+              <a:schemeClr val="accent2"/>
+            </a:fillRef>
+            <a:effectRef idx="2">
+              <a:schemeClr val="accent2"/>
+            </a:effectRef>
+            <a:fontRef idx="minor">
+              <a:schemeClr val="tx1"/>
+            </a:fontRef>
+          </p:style>
+        </p:cxnSp>
+        <p:cxnSp>
+          <p:nvCxnSpPr>
+            <p:cNvPr id="46" name="Straight Connector 45"/>
+            <p:cNvCxnSpPr/>
+            <p:nvPr/>
+          </p:nvCxnSpPr>
+          <p:spPr>
+            <a:xfrm rot="5400000">
+              <a:off x="2132806" y="3580606"/>
+              <a:ext cx="4572000" cy="1588"/>
+            </a:xfrm>
+            <a:prstGeom prst="line">
+              <a:avLst/>
+            </a:prstGeom>
+          </p:spPr>
+          <p:style>
+            <a:lnRef idx="3">
+              <a:schemeClr val="accent2"/>
+            </a:lnRef>
+            <a:fillRef idx="0">
+              <a:schemeClr val="accent2"/>
+            </a:fillRef>
+            <a:effectRef idx="2">
+              <a:schemeClr val="accent2"/>
+            </a:effectRef>
+            <a:fontRef idx="minor">
+              <a:schemeClr val="tx1"/>
+            </a:fontRef>
+          </p:style>
+        </p:cxnSp>
+        <p:cxnSp>
+          <p:nvCxnSpPr>
+            <p:cNvPr id="47" name="Straight Connector 46"/>
+            <p:cNvCxnSpPr/>
+            <p:nvPr/>
+          </p:nvCxnSpPr>
+          <p:spPr>
+            <a:xfrm rot="5400000">
+              <a:off x="-508795" y="3580606"/>
+              <a:ext cx="4572000" cy="1588"/>
+            </a:xfrm>
+            <a:prstGeom prst="line">
+              <a:avLst/>
+            </a:prstGeom>
+          </p:spPr>
+          <p:style>
+            <a:lnRef idx="3">
+              <a:schemeClr val="accent2"/>
+            </a:lnRef>
+            <a:fillRef idx="0">
+              <a:schemeClr val="accent2"/>
+            </a:fillRef>
+            <a:effectRef idx="2">
+              <a:schemeClr val="accent2"/>
+            </a:effectRef>
+            <a:fontRef idx="minor">
+              <a:schemeClr val="tx1"/>
+            </a:fontRef>
+          </p:style>
+        </p:cxnSp>
+        <p:cxnSp>
+          <p:nvCxnSpPr>
+            <p:cNvPr id="48" name="Straight Connector 47"/>
+            <p:cNvCxnSpPr/>
+            <p:nvPr/>
+          </p:nvCxnSpPr>
+          <p:spPr>
+            <a:xfrm rot="5400000">
+              <a:off x="-1142206" y="3580606"/>
+              <a:ext cx="4572000" cy="1588"/>
+            </a:xfrm>
+            <a:prstGeom prst="line">
+              <a:avLst/>
+            </a:prstGeom>
+          </p:spPr>
+          <p:style>
+            <a:lnRef idx="3">
+              <a:schemeClr val="accent2"/>
+            </a:lnRef>
+            <a:fillRef idx="0">
+              <a:schemeClr val="accent2"/>
+            </a:fillRef>
+            <a:effectRef idx="2">
+              <a:schemeClr val="accent2"/>
+            </a:effectRef>
+            <a:fontRef idx="minor">
+              <a:schemeClr val="tx1"/>
+            </a:fontRef>
+          </p:style>
+        </p:cxnSp>
+        <p:cxnSp>
+          <p:nvCxnSpPr>
+            <p:cNvPr id="49" name="Straight Connector 48"/>
+            <p:cNvCxnSpPr/>
+            <p:nvPr/>
+          </p:nvCxnSpPr>
+          <p:spPr>
+            <a:xfrm rot="5400000">
+              <a:off x="100805" y="3580606"/>
+              <a:ext cx="4572000" cy="1588"/>
+            </a:xfrm>
+            <a:prstGeom prst="line">
+              <a:avLst/>
+            </a:prstGeom>
+          </p:spPr>
+          <p:style>
+            <a:lnRef idx="3">
+              <a:schemeClr val="accent2"/>
+            </a:lnRef>
+            <a:fillRef idx="0">
+              <a:schemeClr val="accent2"/>
+            </a:fillRef>
+            <a:effectRef idx="2">
+              <a:schemeClr val="accent2"/>
+            </a:effectRef>
+            <a:fontRef idx="minor">
+              <a:schemeClr val="tx1"/>
+            </a:fontRef>
+          </p:style>
+        </p:cxnSp>
+        <p:cxnSp>
+          <p:nvCxnSpPr>
+            <p:cNvPr id="50" name="Straight Connector 49"/>
+            <p:cNvCxnSpPr/>
+            <p:nvPr/>
+          </p:nvCxnSpPr>
+          <p:spPr>
+            <a:xfrm rot="5400000">
+              <a:off x="1410494" y="3580606"/>
+              <a:ext cx="4572000" cy="1588"/>
+            </a:xfrm>
+            <a:prstGeom prst="line">
+              <a:avLst/>
+            </a:prstGeom>
+          </p:spPr>
+          <p:style>
+            <a:lnRef idx="3">
+              <a:schemeClr val="accent2"/>
+            </a:lnRef>
+            <a:fillRef idx="0">
+              <a:schemeClr val="accent2"/>
+            </a:fillRef>
+            <a:effectRef idx="2">
+              <a:schemeClr val="accent2"/>
+            </a:effectRef>
+            <a:fontRef idx="minor">
+              <a:schemeClr val="tx1"/>
+            </a:fontRef>
+          </p:style>
+        </p:cxnSp>
+        <p:cxnSp>
+          <p:nvCxnSpPr>
+            <p:cNvPr id="52" name="Straight Connector 51"/>
+            <p:cNvCxnSpPr/>
+            <p:nvPr/>
+          </p:nvCxnSpPr>
+          <p:spPr>
+            <a:xfrm>
+              <a:off x="533400" y="3314700"/>
+              <a:ext cx="4572000" cy="0"/>
+            </a:xfrm>
+            <a:prstGeom prst="line">
+              <a:avLst/>
+            </a:prstGeom>
+          </p:spPr>
+          <p:style>
+            <a:lnRef idx="3">
+              <a:schemeClr val="accent2"/>
+            </a:lnRef>
+            <a:fillRef idx="0">
+              <a:schemeClr val="accent2"/>
+            </a:fillRef>
+            <a:effectRef idx="2">
+              <a:schemeClr val="accent2"/>
+            </a:effectRef>
+            <a:fontRef idx="minor">
+              <a:schemeClr val="tx1"/>
+            </a:fontRef>
+          </p:style>
+        </p:cxnSp>
+        <p:cxnSp>
+          <p:nvCxnSpPr>
+            <p:cNvPr id="54" name="Straight Connector 53"/>
+            <p:cNvCxnSpPr/>
+            <p:nvPr/>
+          </p:nvCxnSpPr>
+          <p:spPr>
+            <a:xfrm>
+              <a:off x="533400" y="5168900"/>
+              <a:ext cx="4572000" cy="0"/>
+            </a:xfrm>
+            <a:prstGeom prst="line">
+              <a:avLst/>
+            </a:prstGeom>
+          </p:spPr>
+          <p:style>
+            <a:lnRef idx="3">
+              <a:schemeClr val="accent2"/>
+            </a:lnRef>
+            <a:fillRef idx="0">
+              <a:schemeClr val="accent2"/>
+            </a:fillRef>
+            <a:effectRef idx="2">
+              <a:schemeClr val="accent2"/>
+            </a:effectRef>
+            <a:fontRef idx="minor">
+              <a:schemeClr val="tx1"/>
+            </a:fontRef>
+          </p:style>
+        </p:cxnSp>
+        <p:cxnSp>
+          <p:nvCxnSpPr>
+            <p:cNvPr id="55" name="Straight Connector 54"/>
+            <p:cNvCxnSpPr/>
+            <p:nvPr/>
+          </p:nvCxnSpPr>
+          <p:spPr>
+            <a:xfrm>
+              <a:off x="533400" y="1905000"/>
+              <a:ext cx="4572000" cy="0"/>
+            </a:xfrm>
+            <a:prstGeom prst="line">
+              <a:avLst/>
+            </a:prstGeom>
+          </p:spPr>
+          <p:style>
+            <a:lnRef idx="3">
+              <a:schemeClr val="accent2"/>
+            </a:lnRef>
+            <a:fillRef idx="0">
+              <a:schemeClr val="accent2"/>
+            </a:fillRef>
+            <a:effectRef idx="2">
+              <a:schemeClr val="accent2"/>
+            </a:effectRef>
+            <a:fontRef idx="minor">
+              <a:schemeClr val="tx1"/>
+            </a:fontRef>
+          </p:style>
+        </p:cxnSp>
+      </p:grpSp>
+      <p:grpSp>
+        <p:nvGrpSpPr>
+          <p:cNvPr id="56" name="Group 55"/>
+          <p:cNvGrpSpPr/>
+          <p:nvPr/>
+        </p:nvGrpSpPr>
+        <p:grpSpPr>
+          <a:xfrm>
+            <a:off x="838200" y="1630680"/>
+            <a:ext cx="3931920" cy="3931920"/>
+            <a:chOff x="533400" y="1295400"/>
+            <a:chExt cx="4573588" cy="4572000"/>
+          </a:xfrm>
+        </p:grpSpPr>
+        <p:cxnSp>
+          <p:nvCxnSpPr>
+            <p:cNvPr id="57" name="Straight Connector 56"/>
+            <p:cNvCxnSpPr/>
+            <p:nvPr/>
+          </p:nvCxnSpPr>
+          <p:spPr>
+            <a:xfrm>
+              <a:off x="533400" y="1295400"/>
+              <a:ext cx="4572000" cy="0"/>
+            </a:xfrm>
+            <a:prstGeom prst="line">
+              <a:avLst/>
+            </a:prstGeom>
+          </p:spPr>
+          <p:style>
+            <a:lnRef idx="3">
+              <a:schemeClr val="dk1"/>
+            </a:lnRef>
+            <a:fillRef idx="0">
+              <a:schemeClr val="dk1"/>
+            </a:fillRef>
+            <a:effectRef idx="2">
+              <a:schemeClr val="dk1"/>
+            </a:effectRef>
+            <a:fontRef idx="minor">
+              <a:schemeClr val="tx1"/>
+            </a:fontRef>
+          </p:style>
+        </p:cxnSp>
+        <p:cxnSp>
+          <p:nvCxnSpPr>
+            <p:cNvPr id="58" name="Straight Connector 57"/>
+            <p:cNvCxnSpPr/>
+            <p:nvPr/>
+          </p:nvCxnSpPr>
+          <p:spPr>
+            <a:xfrm rot="5400000">
+              <a:off x="-1751806" y="3580606"/>
+              <a:ext cx="4572000" cy="1588"/>
+            </a:xfrm>
+            <a:prstGeom prst="line">
+              <a:avLst/>
+            </a:prstGeom>
+          </p:spPr>
+          <p:style>
+            <a:lnRef idx="3">
+              <a:schemeClr val="dk1"/>
+            </a:lnRef>
+            <a:fillRef idx="0">
+              <a:schemeClr val="dk1"/>
+            </a:fillRef>
+            <a:effectRef idx="2">
+              <a:schemeClr val="dk1"/>
+            </a:effectRef>
+            <a:fontRef idx="minor">
+              <a:schemeClr val="tx1"/>
+            </a:fontRef>
+          </p:style>
+        </p:cxnSp>
+        <p:cxnSp>
+          <p:nvCxnSpPr>
+            <p:cNvPr id="59" name="Straight Connector 58"/>
+            <p:cNvCxnSpPr/>
+            <p:nvPr/>
+          </p:nvCxnSpPr>
+          <p:spPr>
+            <a:xfrm rot="5400000">
+              <a:off x="2820194" y="3580606"/>
+              <a:ext cx="4572000" cy="1588"/>
+            </a:xfrm>
+            <a:prstGeom prst="line">
+              <a:avLst/>
+            </a:prstGeom>
+          </p:spPr>
+          <p:style>
+            <a:lnRef idx="3">
+              <a:schemeClr val="dk1"/>
+            </a:lnRef>
+            <a:fillRef idx="0">
+              <a:schemeClr val="dk1"/>
+            </a:fillRef>
+            <a:effectRef idx="2">
+              <a:schemeClr val="dk1"/>
+            </a:effectRef>
+            <a:fontRef idx="minor">
+              <a:schemeClr val="tx1"/>
+            </a:fontRef>
+          </p:style>
+        </p:cxnSp>
+        <p:cxnSp>
+          <p:nvCxnSpPr>
+            <p:cNvPr id="60" name="Straight Connector 59"/>
+            <p:cNvCxnSpPr/>
+            <p:nvPr/>
+          </p:nvCxnSpPr>
+          <p:spPr>
+            <a:xfrm>
+              <a:off x="533400" y="5867400"/>
+              <a:ext cx="4572000" cy="0"/>
+            </a:xfrm>
+            <a:prstGeom prst="line">
+              <a:avLst/>
+            </a:prstGeom>
+          </p:spPr>
+          <p:style>
+            <a:lnRef idx="3">
+              <a:schemeClr val="dk1"/>
+            </a:lnRef>
+            <a:fillRef idx="0">
+              <a:schemeClr val="dk1"/>
+            </a:fillRef>
+            <a:effectRef idx="2">
+              <a:schemeClr val="dk1"/>
+            </a:effectRef>
+            <a:fontRef idx="minor">
+              <a:schemeClr val="tx1"/>
+            </a:fontRef>
+          </p:style>
+        </p:cxnSp>
+        <p:cxnSp>
+          <p:nvCxnSpPr>
+            <p:cNvPr id="61" name="Straight Connector 60"/>
+            <p:cNvCxnSpPr/>
+            <p:nvPr/>
+          </p:nvCxnSpPr>
+          <p:spPr>
+            <a:xfrm>
+              <a:off x="533400" y="3563679"/>
+              <a:ext cx="4572000" cy="0"/>
+            </a:xfrm>
+            <a:prstGeom prst="line">
+              <a:avLst/>
+            </a:prstGeom>
+          </p:spPr>
+          <p:style>
+            <a:lnRef idx="3">
+              <a:schemeClr val="dk1"/>
+            </a:lnRef>
+            <a:fillRef idx="0">
+              <a:schemeClr val="dk1"/>
+            </a:fillRef>
+            <a:effectRef idx="2">
+              <a:schemeClr val="dk1"/>
+            </a:effectRef>
+            <a:fontRef idx="minor">
+              <a:schemeClr val="tx1"/>
+            </a:fontRef>
+          </p:style>
+        </p:cxnSp>
+        <p:cxnSp>
+          <p:nvCxnSpPr>
+            <p:cNvPr id="62" name="Straight Connector 61"/>
+            <p:cNvCxnSpPr/>
+            <p:nvPr/>
+          </p:nvCxnSpPr>
+          <p:spPr>
+            <a:xfrm>
+              <a:off x="533400" y="4313865"/>
+              <a:ext cx="4572000" cy="0"/>
+            </a:xfrm>
+            <a:prstGeom prst="line">
+              <a:avLst/>
+            </a:prstGeom>
+          </p:spPr>
+          <p:style>
+            <a:lnRef idx="3">
+              <a:schemeClr val="dk1"/>
+            </a:lnRef>
+            <a:fillRef idx="0">
+              <a:schemeClr val="dk1"/>
+            </a:fillRef>
+            <a:effectRef idx="2">
+              <a:schemeClr val="dk1"/>
+            </a:effectRef>
+            <a:fontRef idx="minor">
+              <a:schemeClr val="tx1"/>
+            </a:fontRef>
+          </p:style>
+        </p:cxnSp>
+        <p:cxnSp>
+          <p:nvCxnSpPr>
+            <p:cNvPr id="63" name="Straight Connector 62"/>
+            <p:cNvCxnSpPr/>
+            <p:nvPr/>
+          </p:nvCxnSpPr>
+          <p:spPr>
+            <a:xfrm>
+              <a:off x="533400" y="2057400"/>
+              <a:ext cx="4572000" cy="0"/>
+            </a:xfrm>
+            <a:prstGeom prst="line">
+              <a:avLst/>
+            </a:prstGeom>
+          </p:spPr>
+          <p:style>
+            <a:lnRef idx="3">
+              <a:schemeClr val="dk1"/>
+            </a:lnRef>
+            <a:fillRef idx="0">
+              <a:schemeClr val="dk1"/>
+            </a:fillRef>
+            <a:effectRef idx="2">
+              <a:schemeClr val="dk1"/>
+            </a:effectRef>
+            <a:fontRef idx="minor">
+              <a:schemeClr val="tx1"/>
+            </a:fontRef>
+          </p:style>
+        </p:cxnSp>
+        <p:cxnSp>
+          <p:nvCxnSpPr>
+            <p:cNvPr id="64" name="Straight Connector 63"/>
+            <p:cNvCxnSpPr/>
+            <p:nvPr/>
+          </p:nvCxnSpPr>
+          <p:spPr>
+            <a:xfrm rot="5400000">
+              <a:off x="1142205" y="3580606"/>
+              <a:ext cx="4572000" cy="1588"/>
+            </a:xfrm>
+            <a:prstGeom prst="line">
+              <a:avLst/>
+            </a:prstGeom>
+          </p:spPr>
+          <p:style>
+            <a:lnRef idx="3">
+              <a:schemeClr val="dk1"/>
+            </a:lnRef>
+            <a:fillRef idx="0">
+              <a:schemeClr val="dk1"/>
+            </a:fillRef>
+            <a:effectRef idx="2">
+              <a:schemeClr val="dk1"/>
+            </a:effectRef>
+            <a:fontRef idx="minor">
+              <a:schemeClr val="tx1"/>
+            </a:fontRef>
+          </p:style>
+        </p:cxnSp>
+        <p:cxnSp>
+          <p:nvCxnSpPr>
+            <p:cNvPr id="66" name="Straight Connector 65"/>
+            <p:cNvCxnSpPr/>
+            <p:nvPr/>
+          </p:nvCxnSpPr>
+          <p:spPr>
+            <a:xfrm rot="5400000">
+              <a:off x="-380206" y="3580606"/>
+              <a:ext cx="4572000" cy="1588"/>
+            </a:xfrm>
+            <a:prstGeom prst="line">
+              <a:avLst/>
+            </a:prstGeom>
+          </p:spPr>
+          <p:style>
+            <a:lnRef idx="3">
+              <a:schemeClr val="dk1"/>
+            </a:lnRef>
+            <a:fillRef idx="0">
+              <a:schemeClr val="dk1"/>
+            </a:fillRef>
+            <a:effectRef idx="2">
+              <a:schemeClr val="dk1"/>
+            </a:effectRef>
+            <a:fontRef idx="minor">
+              <a:schemeClr val="tx1"/>
+            </a:fontRef>
+          </p:style>
+        </p:cxnSp>
+        <p:cxnSp>
+          <p:nvCxnSpPr>
+            <p:cNvPr id="67" name="Straight Connector 66"/>
+            <p:cNvCxnSpPr/>
+            <p:nvPr/>
+          </p:nvCxnSpPr>
+          <p:spPr>
+            <a:xfrm rot="5400000">
+              <a:off x="-1067594" y="3580606"/>
+              <a:ext cx="4572000" cy="1588"/>
+            </a:xfrm>
+            <a:prstGeom prst="line">
+              <a:avLst/>
+            </a:prstGeom>
+          </p:spPr>
+          <p:style>
+            <a:lnRef idx="3">
+              <a:schemeClr val="dk1"/>
+            </a:lnRef>
+            <a:fillRef idx="0">
+              <a:schemeClr val="dk1"/>
+            </a:fillRef>
+            <a:effectRef idx="2">
+              <a:schemeClr val="dk1"/>
+            </a:effectRef>
+            <a:fontRef idx="minor">
+              <a:schemeClr val="tx1"/>
+            </a:fontRef>
+          </p:style>
+        </p:cxnSp>
+        <p:cxnSp>
+          <p:nvCxnSpPr>
+            <p:cNvPr id="68" name="Straight Connector 67"/>
+            <p:cNvCxnSpPr/>
+            <p:nvPr/>
+          </p:nvCxnSpPr>
+          <p:spPr>
+            <a:xfrm rot="5400000">
+              <a:off x="380205" y="3580606"/>
+              <a:ext cx="4572000" cy="1588"/>
+            </a:xfrm>
+            <a:prstGeom prst="line">
+              <a:avLst/>
+            </a:prstGeom>
+          </p:spPr>
+          <p:style>
+            <a:lnRef idx="3">
+              <a:schemeClr val="dk1"/>
+            </a:lnRef>
+            <a:fillRef idx="0">
+              <a:schemeClr val="dk1"/>
+            </a:fillRef>
+            <a:effectRef idx="2">
+              <a:schemeClr val="dk1"/>
+            </a:effectRef>
+            <a:fontRef idx="minor">
+              <a:schemeClr val="tx1"/>
+            </a:fontRef>
+          </p:style>
+        </p:cxnSp>
+        <p:cxnSp>
+          <p:nvCxnSpPr>
+            <p:cNvPr id="69" name="Straight Connector 68"/>
+            <p:cNvCxnSpPr/>
+            <p:nvPr/>
+          </p:nvCxnSpPr>
+          <p:spPr>
+            <a:xfrm rot="5400000">
+              <a:off x="1980406" y="3580606"/>
+              <a:ext cx="4572000" cy="1588"/>
+            </a:xfrm>
+            <a:prstGeom prst="line">
+              <a:avLst/>
+            </a:prstGeom>
+          </p:spPr>
+          <p:style>
+            <a:lnRef idx="3">
+              <a:schemeClr val="dk1"/>
+            </a:lnRef>
+            <a:fillRef idx="0">
+              <a:schemeClr val="dk1"/>
+            </a:fillRef>
+            <a:effectRef idx="2">
+              <a:schemeClr val="dk1"/>
+            </a:effectRef>
+            <a:fontRef idx="minor">
+              <a:schemeClr val="tx1"/>
+            </a:fontRef>
+          </p:style>
+        </p:cxnSp>
+        <p:cxnSp>
+          <p:nvCxnSpPr>
+            <p:cNvPr id="70" name="Straight Connector 69"/>
+            <p:cNvCxnSpPr/>
+            <p:nvPr/>
+          </p:nvCxnSpPr>
+          <p:spPr>
+            <a:xfrm>
+              <a:off x="533400" y="2854842"/>
+              <a:ext cx="4572000" cy="0"/>
+            </a:xfrm>
+            <a:prstGeom prst="line">
+              <a:avLst/>
+            </a:prstGeom>
+          </p:spPr>
+          <p:style>
+            <a:lnRef idx="3">
+              <a:schemeClr val="dk1"/>
+            </a:lnRef>
+            <a:fillRef idx="0">
+              <a:schemeClr val="dk1"/>
+            </a:fillRef>
+            <a:effectRef idx="2">
+              <a:schemeClr val="dk1"/>
+            </a:effectRef>
+            <a:fontRef idx="minor">
+              <a:schemeClr val="tx1"/>
+            </a:fontRef>
+          </p:style>
+        </p:cxnSp>
+        <p:cxnSp>
+          <p:nvCxnSpPr>
+            <p:cNvPr id="71" name="Straight Connector 70"/>
+            <p:cNvCxnSpPr/>
+            <p:nvPr/>
+          </p:nvCxnSpPr>
+          <p:spPr>
+            <a:xfrm>
+              <a:off x="533400" y="5029200"/>
+              <a:ext cx="4572000" cy="0"/>
+            </a:xfrm>
+            <a:prstGeom prst="line">
+              <a:avLst/>
+            </a:prstGeom>
+          </p:spPr>
+          <p:style>
+            <a:lnRef idx="3">
+              <a:schemeClr val="dk1"/>
+            </a:lnRef>
+            <a:fillRef idx="0">
+              <a:schemeClr val="dk1"/>
+            </a:fillRef>
+            <a:effectRef idx="2">
+              <a:schemeClr val="dk1"/>
+            </a:effectRef>
+            <a:fontRef idx="minor">
+              <a:schemeClr val="tx1"/>
+            </a:fontRef>
+          </p:style>
+        </p:cxnSp>
+      </p:grpSp>
+      <p:grpSp>
+        <p:nvGrpSpPr>
+          <p:cNvPr id="73" name="Group 72"/>
+          <p:cNvGrpSpPr/>
+          <p:nvPr/>
+        </p:nvGrpSpPr>
+        <p:grpSpPr>
+          <a:xfrm>
+            <a:off x="1143000" y="1889760"/>
+            <a:ext cx="3291840" cy="3291840"/>
+            <a:chOff x="533400" y="1295400"/>
+            <a:chExt cx="4573588" cy="4572000"/>
+          </a:xfrm>
+        </p:grpSpPr>
+        <p:cxnSp>
+          <p:nvCxnSpPr>
+            <p:cNvPr id="74" name="Straight Connector 73"/>
+            <p:cNvCxnSpPr/>
+            <p:nvPr/>
+          </p:nvCxnSpPr>
+          <p:spPr>
+            <a:xfrm>
+              <a:off x="533400" y="1295400"/>
+              <a:ext cx="4572000" cy="0"/>
+            </a:xfrm>
+            <a:prstGeom prst="line">
+              <a:avLst/>
+            </a:prstGeom>
+          </p:spPr>
+          <p:style>
+            <a:lnRef idx="3">
+              <a:schemeClr val="accent3"/>
+            </a:lnRef>
+            <a:fillRef idx="0">
+              <a:schemeClr val="accent3"/>
+            </a:fillRef>
+            <a:effectRef idx="2">
+              <a:schemeClr val="accent3"/>
+            </a:effectRef>
+            <a:fontRef idx="minor">
+              <a:schemeClr val="tx1"/>
+            </a:fontRef>
+          </p:style>
+        </p:cxnSp>
+        <p:cxnSp>
+          <p:nvCxnSpPr>
+            <p:cNvPr id="75" name="Straight Connector 74"/>
+            <p:cNvCxnSpPr/>
+            <p:nvPr/>
+          </p:nvCxnSpPr>
+          <p:spPr>
+            <a:xfrm rot="5400000">
+              <a:off x="-1751806" y="3580606"/>
+              <a:ext cx="4572000" cy="1588"/>
+            </a:xfrm>
+            <a:prstGeom prst="line">
+              <a:avLst/>
+            </a:prstGeom>
+          </p:spPr>
+          <p:style>
+            <a:lnRef idx="3">
+              <a:schemeClr val="accent3"/>
+            </a:lnRef>
+            <a:fillRef idx="0">
+              <a:schemeClr val="accent3"/>
+            </a:fillRef>
+            <a:effectRef idx="2">
+              <a:schemeClr val="accent3"/>
+            </a:effectRef>
+            <a:fontRef idx="minor">
+              <a:schemeClr val="tx1"/>
+            </a:fontRef>
+          </p:style>
+        </p:cxnSp>
+        <p:cxnSp>
+          <p:nvCxnSpPr>
+            <p:cNvPr id="76" name="Straight Connector 75"/>
+            <p:cNvCxnSpPr/>
+            <p:nvPr/>
+          </p:nvCxnSpPr>
+          <p:spPr>
+            <a:xfrm rot="5400000">
+              <a:off x="2820194" y="3580606"/>
+              <a:ext cx="4572000" cy="1588"/>
+            </a:xfrm>
+            <a:prstGeom prst="line">
+              <a:avLst/>
+            </a:prstGeom>
+          </p:spPr>
+          <p:style>
+            <a:lnRef idx="3">
+              <a:schemeClr val="accent3"/>
+            </a:lnRef>
+            <a:fillRef idx="0">
+              <a:schemeClr val="accent3"/>
+            </a:fillRef>
+            <a:effectRef idx="2">
+              <a:schemeClr val="accent3"/>
+            </a:effectRef>
+            <a:fontRef idx="minor">
+              <a:schemeClr val="tx1"/>
+            </a:fontRef>
+          </p:style>
+        </p:cxnSp>
+        <p:cxnSp>
+          <p:nvCxnSpPr>
+            <p:cNvPr id="77" name="Straight Connector 76"/>
+            <p:cNvCxnSpPr/>
+            <p:nvPr/>
+          </p:nvCxnSpPr>
+          <p:spPr>
+            <a:xfrm>
+              <a:off x="533400" y="5867400"/>
+              <a:ext cx="4572000" cy="0"/>
+            </a:xfrm>
+            <a:prstGeom prst="line">
+              <a:avLst/>
+            </a:prstGeom>
+          </p:spPr>
+          <p:style>
+            <a:lnRef idx="3">
+              <a:schemeClr val="accent3"/>
+            </a:lnRef>
+            <a:fillRef idx="0">
+              <a:schemeClr val="accent3"/>
+            </a:fillRef>
+            <a:effectRef idx="2">
+              <a:schemeClr val="accent3"/>
+            </a:effectRef>
+            <a:fontRef idx="minor">
+              <a:schemeClr val="tx1"/>
+            </a:fontRef>
+          </p:style>
+        </p:cxnSp>
+        <p:cxnSp>
+          <p:nvCxnSpPr>
+            <p:cNvPr id="78" name="Straight Connector 77"/>
+            <p:cNvCxnSpPr/>
+            <p:nvPr/>
+          </p:nvCxnSpPr>
+          <p:spPr>
+            <a:xfrm>
+              <a:off x="533400" y="3297865"/>
+              <a:ext cx="4572000" cy="0"/>
+            </a:xfrm>
+            <a:prstGeom prst="line">
+              <a:avLst/>
+            </a:prstGeom>
+          </p:spPr>
+          <p:style>
+            <a:lnRef idx="3">
+              <a:schemeClr val="accent3"/>
+            </a:lnRef>
+            <a:fillRef idx="0">
+              <a:schemeClr val="accent3"/>
+            </a:fillRef>
+            <a:effectRef idx="2">
+              <a:schemeClr val="accent3"/>
+            </a:effectRef>
+            <a:fontRef idx="minor">
+              <a:schemeClr val="tx1"/>
+            </a:fontRef>
+          </p:style>
+        </p:cxnSp>
+        <p:cxnSp>
+          <p:nvCxnSpPr>
+            <p:cNvPr id="79" name="Straight Connector 78"/>
+            <p:cNvCxnSpPr/>
+            <p:nvPr/>
+          </p:nvCxnSpPr>
+          <p:spPr>
+            <a:xfrm>
+              <a:off x="533400" y="4183912"/>
+              <a:ext cx="4572000" cy="0"/>
+            </a:xfrm>
+            <a:prstGeom prst="line">
+              <a:avLst/>
+            </a:prstGeom>
+          </p:spPr>
+          <p:style>
+            <a:lnRef idx="3">
+              <a:schemeClr val="accent3"/>
+            </a:lnRef>
+            <a:fillRef idx="0">
+              <a:schemeClr val="accent3"/>
+            </a:fillRef>
+            <a:effectRef idx="2">
+              <a:schemeClr val="accent3"/>
+            </a:effectRef>
+            <a:fontRef idx="minor">
+              <a:schemeClr val="tx1"/>
+            </a:fontRef>
+          </p:style>
+        </p:cxnSp>
+        <p:cxnSp>
+          <p:nvCxnSpPr>
+            <p:cNvPr id="81" name="Straight Connector 80"/>
+            <p:cNvCxnSpPr/>
+            <p:nvPr/>
+          </p:nvCxnSpPr>
+          <p:spPr>
+            <a:xfrm rot="5400000">
+              <a:off x="1800886" y="3580606"/>
+              <a:ext cx="4572000" cy="1588"/>
+            </a:xfrm>
+            <a:prstGeom prst="line">
+              <a:avLst/>
+            </a:prstGeom>
+          </p:spPr>
+          <p:style>
+            <a:lnRef idx="3">
+              <a:schemeClr val="accent3"/>
+            </a:lnRef>
+            <a:fillRef idx="0">
+              <a:schemeClr val="accent3"/>
+            </a:fillRef>
+            <a:effectRef idx="2">
+              <a:schemeClr val="accent3"/>
+            </a:effectRef>
+            <a:fontRef idx="minor">
+              <a:schemeClr val="tx1"/>
+            </a:fontRef>
+          </p:style>
+        </p:cxnSp>
+        <p:cxnSp>
+          <p:nvCxnSpPr>
+            <p:cNvPr id="82" name="Straight Connector 81"/>
+            <p:cNvCxnSpPr/>
+            <p:nvPr/>
+          </p:nvCxnSpPr>
+          <p:spPr>
+            <a:xfrm rot="5400000">
+              <a:off x="-30913" y="3580606"/>
+              <a:ext cx="4572000" cy="1588"/>
+            </a:xfrm>
+            <a:prstGeom prst="line">
+              <a:avLst/>
+            </a:prstGeom>
+          </p:spPr>
+          <p:style>
+            <a:lnRef idx="3">
+              <a:schemeClr val="accent3"/>
+            </a:lnRef>
+            <a:fillRef idx="0">
+              <a:schemeClr val="accent3"/>
+            </a:fillRef>
+            <a:effectRef idx="2">
+              <a:schemeClr val="accent3"/>
+            </a:effectRef>
+            <a:fontRef idx="minor">
+              <a:schemeClr val="tx1"/>
+            </a:fontRef>
+          </p:style>
+        </p:cxnSp>
+        <p:cxnSp>
+          <p:nvCxnSpPr>
+            <p:cNvPr id="83" name="Straight Connector 82"/>
+            <p:cNvCxnSpPr/>
+            <p:nvPr/>
+          </p:nvCxnSpPr>
+          <p:spPr>
+            <a:xfrm rot="5400000">
+              <a:off x="-843404" y="3580606"/>
+              <a:ext cx="4572000" cy="1588"/>
+            </a:xfrm>
+            <a:prstGeom prst="line">
+              <a:avLst/>
+            </a:prstGeom>
+          </p:spPr>
+          <p:style>
+            <a:lnRef idx="3">
+              <a:schemeClr val="accent3"/>
+            </a:lnRef>
+            <a:fillRef idx="0">
+              <a:schemeClr val="accent3"/>
+            </a:fillRef>
+            <a:effectRef idx="2">
+              <a:schemeClr val="accent3"/>
+            </a:effectRef>
+            <a:fontRef idx="minor">
+              <a:schemeClr val="tx1"/>
+            </a:fontRef>
+          </p:style>
+        </p:cxnSp>
+        <p:cxnSp>
+          <p:nvCxnSpPr>
+            <p:cNvPr id="84" name="Straight Connector 83"/>
+            <p:cNvCxnSpPr/>
+            <p:nvPr/>
+          </p:nvCxnSpPr>
+          <p:spPr>
+            <a:xfrm rot="5400000">
+              <a:off x="811124" y="3580606"/>
+              <a:ext cx="4572000" cy="1588"/>
+            </a:xfrm>
+            <a:prstGeom prst="line">
+              <a:avLst/>
+            </a:prstGeom>
+          </p:spPr>
+          <p:style>
+            <a:lnRef idx="3">
+              <a:schemeClr val="accent3"/>
+            </a:lnRef>
+            <a:fillRef idx="0">
+              <a:schemeClr val="accent3"/>
+            </a:fillRef>
+            <a:effectRef idx="2">
+              <a:schemeClr val="accent3"/>
+            </a:effectRef>
+            <a:fontRef idx="minor">
+              <a:schemeClr val="tx1"/>
+            </a:fontRef>
+          </p:style>
+        </p:cxnSp>
+        <p:cxnSp>
+          <p:nvCxnSpPr>
+            <p:cNvPr id="86" name="Straight Connector 85"/>
+            <p:cNvCxnSpPr/>
+            <p:nvPr/>
+          </p:nvCxnSpPr>
+          <p:spPr>
+            <a:xfrm>
+              <a:off x="533400" y="2323214"/>
+              <a:ext cx="4572000" cy="0"/>
+            </a:xfrm>
+            <a:prstGeom prst="line">
+              <a:avLst/>
+            </a:prstGeom>
+          </p:spPr>
+          <p:style>
+            <a:lnRef idx="3">
+              <a:schemeClr val="accent3"/>
+            </a:lnRef>
+            <a:fillRef idx="0">
+              <a:schemeClr val="accent3"/>
+            </a:fillRef>
+            <a:effectRef idx="2">
+              <a:schemeClr val="accent3"/>
+            </a:effectRef>
+            <a:fontRef idx="minor">
+              <a:schemeClr val="tx1"/>
+            </a:fontRef>
+          </p:style>
+        </p:cxnSp>
+        <p:cxnSp>
+          <p:nvCxnSpPr>
+            <p:cNvPr id="87" name="Straight Connector 86"/>
+            <p:cNvCxnSpPr/>
+            <p:nvPr/>
+          </p:nvCxnSpPr>
+          <p:spPr>
+            <a:xfrm>
+              <a:off x="533400" y="5029200"/>
+              <a:ext cx="4572000" cy="0"/>
+            </a:xfrm>
+            <a:prstGeom prst="line">
+              <a:avLst/>
+            </a:prstGeom>
+          </p:spPr>
+          <p:style>
+            <a:lnRef idx="3">
+              <a:schemeClr val="accent3"/>
+            </a:lnRef>
+            <a:fillRef idx="0">
+              <a:schemeClr val="accent3"/>
+            </a:fillRef>
+            <a:effectRef idx="2">
+              <a:schemeClr val="accent3"/>
+            </a:effectRef>
+            <a:fontRef idx="minor">
+              <a:schemeClr val="tx1"/>
+            </a:fontRef>
+          </p:style>
+        </p:cxnSp>
+      </p:grpSp>
+    </p:spTree>
+  </p:cSld>
+  <p:clrMapOvr>
+    <a:masterClrMapping/>
+  </p:clrMapOvr>
+</p:sld>
+</file>
+
+<file path=ppt/slides/slide8.xml><?xml version="1.0" encoding="utf-8"?>
+<p:sld xmlns:a="http://schemas.openxmlformats.org/drawingml/2006/main" xmlns:r="http://schemas.openxmlformats.org/officeDocument/2006/relationships" xmlns:p="http://schemas.openxmlformats.org/presentationml/2006/main">
+  <p:cSld>
+    <p:spTree>
+      <p:nvGrpSpPr>
+        <p:cNvPr id="1" name=""/>
+        <p:cNvGrpSpPr/>
+        <p:nvPr/>
+      </p:nvGrpSpPr>
+      <p:grpSpPr>
+        <a:xfrm>
+          <a:off x="0" y="0"/>
+          <a:ext cx="0" cy="0"/>
+          <a:chOff x="0" y="0"/>
+          <a:chExt cx="0" cy="0"/>
+        </a:xfrm>
+      </p:grpSpPr>
+      <p:cxnSp>
+        <p:nvCxnSpPr>
+          <p:cNvPr id="18" name="Straight Arrow Connector 17"/>
+          <p:cNvCxnSpPr/>
+          <p:nvPr/>
+        </p:nvCxnSpPr>
+        <p:spPr>
+          <a:xfrm>
+            <a:off x="4191000" y="6553200"/>
+            <a:ext cx="609600" cy="1588"/>
+          </a:xfrm>
+          <a:prstGeom prst="straightConnector1">
+            <a:avLst/>
+          </a:prstGeom>
+          <a:ln>
+            <a:tailEnd type="arrow"/>
+          </a:ln>
+        </p:spPr>
+        <p:style>
+          <a:lnRef idx="3">
+            <a:schemeClr val="dk1"/>
+          </a:lnRef>
+          <a:fillRef idx="0">
+            <a:schemeClr val="dk1"/>
+          </a:fillRef>
+          <a:effectRef idx="2">
+            <a:schemeClr val="dk1"/>
+          </a:effectRef>
+          <a:fontRef idx="minor">
+            <a:schemeClr val="tx1"/>
+          </a:fontRef>
+        </p:style>
+      </p:cxnSp>
+      <p:sp>
+        <p:nvSpPr>
+          <p:cNvPr id="36" name="TextBox 35"/>
+          <p:cNvSpPr txBox="1"/>
+          <p:nvPr/>
+        </p:nvSpPr>
+        <p:spPr>
+          <a:xfrm>
+            <a:off x="0" y="0"/>
+            <a:ext cx="9144000" cy="646331"/>
+          </a:xfrm>
+          <a:prstGeom prst="rect">
+            <a:avLst/>
+          </a:prstGeom>
+          <a:noFill/>
+        </p:spPr>
+        <p:txBody>
+          <a:bodyPr wrap="square" rtlCol="0">
+            <a:spAutoFit/>
+          </a:bodyPr>
+          <a:lstStyle/>
+          <a:p>
+            <a:pPr algn="ctr"/>
+            <a:r>
+              <a:rPr lang="en-US" sz="3600" dirty="0" smtClean="0"/>
+              <a:t>Restrict, N nodes = 16</a:t>
+            </a:r>
+            <a:endParaRPr lang="en-US" sz="3600" dirty="0"/>
+          </a:p>
+        </p:txBody>
+      </p:sp>
+      <p:grpSp>
+        <p:nvGrpSpPr>
+          <p:cNvPr id="2" name="Group 36"/>
+          <p:cNvGrpSpPr/>
+          <p:nvPr/>
+        </p:nvGrpSpPr>
+        <p:grpSpPr>
+          <a:xfrm>
+            <a:off x="533400" y="1295400"/>
+            <a:ext cx="4573588" cy="4572000"/>
+            <a:chOff x="533400" y="1295400"/>
+            <a:chExt cx="4573588" cy="4572000"/>
+          </a:xfrm>
+        </p:grpSpPr>
+        <p:cxnSp>
+          <p:nvCxnSpPr>
+            <p:cNvPr id="38" name="Straight Connector 37"/>
+            <p:cNvCxnSpPr/>
+            <p:nvPr/>
+          </p:nvCxnSpPr>
+          <p:spPr>
+            <a:xfrm>
+              <a:off x="533400" y="1295400"/>
+              <a:ext cx="4572000" cy="0"/>
+            </a:xfrm>
+            <a:prstGeom prst="line">
+              <a:avLst/>
+            </a:prstGeom>
+          </p:spPr>
+          <p:style>
+            <a:lnRef idx="3">
+              <a:schemeClr val="accent2"/>
+            </a:lnRef>
+            <a:fillRef idx="0">
+              <a:schemeClr val="accent2"/>
+            </a:fillRef>
+            <a:effectRef idx="2">
+              <a:schemeClr val="accent2"/>
+            </a:effectRef>
+            <a:fontRef idx="minor">
+              <a:schemeClr val="tx1"/>
+            </a:fontRef>
+          </p:style>
+        </p:cxnSp>
+        <p:cxnSp>
+          <p:nvCxnSpPr>
+            <p:cNvPr id="39" name="Straight Connector 38"/>
+            <p:cNvCxnSpPr/>
+            <p:nvPr/>
+          </p:nvCxnSpPr>
+          <p:spPr>
+            <a:xfrm rot="5400000">
+              <a:off x="-1751806" y="3580606"/>
+              <a:ext cx="4572000" cy="1588"/>
+            </a:xfrm>
+            <a:prstGeom prst="line">
+              <a:avLst/>
+            </a:prstGeom>
+          </p:spPr>
+          <p:style>
+            <a:lnRef idx="3">
+              <a:schemeClr val="accent2"/>
+            </a:lnRef>
+            <a:fillRef idx="0">
+              <a:schemeClr val="accent2"/>
+            </a:fillRef>
+            <a:effectRef idx="2">
+              <a:schemeClr val="accent2"/>
+            </a:effectRef>
+            <a:fontRef idx="minor">
+              <a:schemeClr val="tx1"/>
+            </a:fontRef>
+          </p:style>
+        </p:cxnSp>
+        <p:cxnSp>
+          <p:nvCxnSpPr>
+            <p:cNvPr id="40" name="Straight Connector 39"/>
+            <p:cNvCxnSpPr/>
+            <p:nvPr/>
+          </p:nvCxnSpPr>
+          <p:spPr>
+            <a:xfrm rot="5400000">
+              <a:off x="2820194" y="3580606"/>
+              <a:ext cx="4572000" cy="1588"/>
+            </a:xfrm>
+            <a:prstGeom prst="line">
+              <a:avLst/>
+            </a:prstGeom>
+          </p:spPr>
+          <p:style>
+            <a:lnRef idx="3">
+              <a:schemeClr val="accent2"/>
+            </a:lnRef>
+            <a:fillRef idx="0">
+              <a:schemeClr val="accent2"/>
+            </a:fillRef>
+            <a:effectRef idx="2">
+              <a:schemeClr val="accent2"/>
+            </a:effectRef>
+            <a:fontRef idx="minor">
+              <a:schemeClr val="tx1"/>
+            </a:fontRef>
+          </p:style>
+        </p:cxnSp>
+        <p:cxnSp>
+          <p:nvCxnSpPr>
+            <p:cNvPr id="41" name="Straight Connector 40"/>
+            <p:cNvCxnSpPr/>
+            <p:nvPr/>
+          </p:nvCxnSpPr>
+          <p:spPr>
+            <a:xfrm>
+              <a:off x="533400" y="5867400"/>
+              <a:ext cx="4572000" cy="0"/>
+            </a:xfrm>
+            <a:prstGeom prst="line">
+              <a:avLst/>
+            </a:prstGeom>
+          </p:spPr>
+          <p:style>
+            <a:lnRef idx="3">
+              <a:schemeClr val="accent2"/>
+            </a:lnRef>
+            <a:fillRef idx="0">
+              <a:schemeClr val="accent2"/>
+            </a:fillRef>
+            <a:effectRef idx="2">
+              <a:schemeClr val="accent2"/>
+            </a:effectRef>
+            <a:fontRef idx="minor">
+              <a:schemeClr val="tx1"/>
+            </a:fontRef>
+          </p:style>
+        </p:cxnSp>
+        <p:cxnSp>
+          <p:nvCxnSpPr>
+            <p:cNvPr id="42" name="Straight Connector 41"/>
+            <p:cNvCxnSpPr/>
+            <p:nvPr/>
+          </p:nvCxnSpPr>
+          <p:spPr>
+            <a:xfrm>
+              <a:off x="533400" y="3975100"/>
+              <a:ext cx="4572000" cy="0"/>
+            </a:xfrm>
+            <a:prstGeom prst="line">
+              <a:avLst/>
+            </a:prstGeom>
+          </p:spPr>
+          <p:style>
+            <a:lnRef idx="3">
+              <a:schemeClr val="accent2"/>
+            </a:lnRef>
+            <a:fillRef idx="0">
+              <a:schemeClr val="accent2"/>
+            </a:fillRef>
+            <a:effectRef idx="2">
+              <a:schemeClr val="accent2"/>
+            </a:effectRef>
+            <a:fontRef idx="minor">
+              <a:schemeClr val="tx1"/>
+            </a:fontRef>
+          </p:style>
+        </p:cxnSp>
+        <p:cxnSp>
+          <p:nvCxnSpPr>
+            <p:cNvPr id="43" name="Straight Connector 42"/>
+            <p:cNvCxnSpPr/>
+            <p:nvPr/>
+          </p:nvCxnSpPr>
+          <p:spPr>
+            <a:xfrm>
+              <a:off x="533400" y="4572000"/>
+              <a:ext cx="4572000" cy="0"/>
+            </a:xfrm>
+            <a:prstGeom prst="line">
+              <a:avLst/>
+            </a:prstGeom>
+          </p:spPr>
+          <p:style>
+            <a:lnRef idx="3">
+              <a:schemeClr val="accent2"/>
+            </a:lnRef>
+            <a:fillRef idx="0">
+              <a:schemeClr val="accent2"/>
+            </a:fillRef>
+            <a:effectRef idx="2">
+              <a:schemeClr val="accent2"/>
+            </a:effectRef>
+            <a:fontRef idx="minor">
+              <a:schemeClr val="tx1"/>
+            </a:fontRef>
+          </p:style>
+        </p:cxnSp>
+        <p:cxnSp>
+          <p:nvCxnSpPr>
+            <p:cNvPr id="44" name="Straight Connector 43"/>
+            <p:cNvCxnSpPr/>
+            <p:nvPr/>
+          </p:nvCxnSpPr>
+          <p:spPr>
+            <a:xfrm>
+              <a:off x="533400" y="2628900"/>
+              <a:ext cx="4572000" cy="0"/>
+            </a:xfrm>
+            <a:prstGeom prst="line">
+              <a:avLst/>
+            </a:prstGeom>
+          </p:spPr>
+          <p:style>
+            <a:lnRef idx="3">
+              <a:schemeClr val="accent2"/>
+            </a:lnRef>
+            <a:fillRef idx="0">
+              <a:schemeClr val="accent2"/>
+            </a:fillRef>
+            <a:effectRef idx="2">
+              <a:schemeClr val="accent2"/>
+            </a:effectRef>
+            <a:fontRef idx="minor">
+              <a:schemeClr val="tx1"/>
+            </a:fontRef>
+          </p:style>
+        </p:cxnSp>
+        <p:cxnSp>
+          <p:nvCxnSpPr>
+            <p:cNvPr id="45" name="Straight Connector 44"/>
+            <p:cNvCxnSpPr/>
+            <p:nvPr/>
+          </p:nvCxnSpPr>
+          <p:spPr>
+            <a:xfrm rot="5400000">
+              <a:off x="710405" y="3580606"/>
+              <a:ext cx="4572000" cy="1588"/>
+            </a:xfrm>
+            <a:prstGeom prst="line">
+              <a:avLst/>
+            </a:prstGeom>
+          </p:spPr>
+          <p:style>
+            <a:lnRef idx="3">
+              <a:schemeClr val="accent2"/>
+            </a:lnRef>
+            <a:fillRef idx="0">
+              <a:schemeClr val="accent2"/>
+            </a:fillRef>
+            <a:effectRef idx="2">
+              <a:schemeClr val="accent2"/>
+            </a:effectRef>
+            <a:fontRef idx="minor">
+              <a:schemeClr val="tx1"/>
+            </a:fontRef>
+          </p:style>
+        </p:cxnSp>
+        <p:cxnSp>
+          <p:nvCxnSpPr>
+            <p:cNvPr id="46" name="Straight Connector 45"/>
+            <p:cNvCxnSpPr/>
+            <p:nvPr/>
+          </p:nvCxnSpPr>
+          <p:spPr>
+            <a:xfrm rot="5400000">
+              <a:off x="2132806" y="3580606"/>
+              <a:ext cx="4572000" cy="1588"/>
+            </a:xfrm>
+            <a:prstGeom prst="line">
+              <a:avLst/>
+            </a:prstGeom>
+          </p:spPr>
+          <p:style>
+            <a:lnRef idx="3">
+              <a:schemeClr val="accent2"/>
+            </a:lnRef>
+            <a:fillRef idx="0">
+              <a:schemeClr val="accent2"/>
+            </a:fillRef>
+            <a:effectRef idx="2">
+              <a:schemeClr val="accent2"/>
+            </a:effectRef>
+            <a:fontRef idx="minor">
+              <a:schemeClr val="tx1"/>
+            </a:fontRef>
+          </p:style>
+        </p:cxnSp>
+        <p:cxnSp>
+          <p:nvCxnSpPr>
+            <p:cNvPr id="47" name="Straight Connector 46"/>
+            <p:cNvCxnSpPr/>
+            <p:nvPr/>
+          </p:nvCxnSpPr>
+          <p:spPr>
+            <a:xfrm rot="5400000">
+              <a:off x="-508795" y="3580606"/>
+              <a:ext cx="4572000" cy="1588"/>
+            </a:xfrm>
+            <a:prstGeom prst="line">
+              <a:avLst/>
+            </a:prstGeom>
+          </p:spPr>
+          <p:style>
+            <a:lnRef idx="3">
+              <a:schemeClr val="accent2"/>
+            </a:lnRef>
+            <a:fillRef idx="0">
+              <a:schemeClr val="accent2"/>
+            </a:fillRef>
+            <a:effectRef idx="2">
+              <a:schemeClr val="accent2"/>
+            </a:effectRef>
+            <a:fontRef idx="minor">
+              <a:schemeClr val="tx1"/>
+            </a:fontRef>
+          </p:style>
+        </p:cxnSp>
+        <p:cxnSp>
+          <p:nvCxnSpPr>
+            <p:cNvPr id="48" name="Straight Connector 47"/>
+            <p:cNvCxnSpPr/>
+            <p:nvPr/>
+          </p:nvCxnSpPr>
+          <p:spPr>
+            <a:xfrm rot="5400000">
+              <a:off x="-1142206" y="3580606"/>
+              <a:ext cx="4572000" cy="1588"/>
+            </a:xfrm>
+            <a:prstGeom prst="line">
+              <a:avLst/>
+            </a:prstGeom>
+          </p:spPr>
+          <p:style>
+            <a:lnRef idx="3">
+              <a:schemeClr val="accent2"/>
+            </a:lnRef>
+            <a:fillRef idx="0">
+              <a:schemeClr val="accent2"/>
+            </a:fillRef>
+            <a:effectRef idx="2">
+              <a:schemeClr val="accent2"/>
+            </a:effectRef>
+            <a:fontRef idx="minor">
+              <a:schemeClr val="tx1"/>
+            </a:fontRef>
+          </p:style>
+        </p:cxnSp>
+        <p:cxnSp>
+          <p:nvCxnSpPr>
+            <p:cNvPr id="49" name="Straight Connector 48"/>
+            <p:cNvCxnSpPr/>
+            <p:nvPr/>
+          </p:nvCxnSpPr>
+          <p:spPr>
+            <a:xfrm rot="5400000">
+              <a:off x="100805" y="3580606"/>
+              <a:ext cx="4572000" cy="1588"/>
+            </a:xfrm>
+            <a:prstGeom prst="line">
+              <a:avLst/>
+            </a:prstGeom>
+          </p:spPr>
+          <p:style>
+            <a:lnRef idx="3">
+              <a:schemeClr val="accent2"/>
+            </a:lnRef>
+            <a:fillRef idx="0">
+              <a:schemeClr val="accent2"/>
+            </a:fillRef>
+            <a:effectRef idx="2">
+              <a:schemeClr val="accent2"/>
+            </a:effectRef>
+            <a:fontRef idx="minor">
+              <a:schemeClr val="tx1"/>
+            </a:fontRef>
+          </p:style>
+        </p:cxnSp>
+        <p:cxnSp>
+          <p:nvCxnSpPr>
+            <p:cNvPr id="50" name="Straight Connector 49"/>
+            <p:cNvCxnSpPr/>
+            <p:nvPr/>
+          </p:nvCxnSpPr>
+          <p:spPr>
+            <a:xfrm rot="5400000">
+              <a:off x="1410494" y="3580606"/>
+              <a:ext cx="4572000" cy="1588"/>
+            </a:xfrm>
+            <a:prstGeom prst="line">
+              <a:avLst/>
+            </a:prstGeom>
+          </p:spPr>
+          <p:style>
+            <a:lnRef idx="3">
+              <a:schemeClr val="accent2"/>
+            </a:lnRef>
+            <a:fillRef idx="0">
+              <a:schemeClr val="accent2"/>
+            </a:fillRef>
+            <a:effectRef idx="2">
+              <a:schemeClr val="accent2"/>
+            </a:effectRef>
+            <a:fontRef idx="minor">
+              <a:schemeClr val="tx1"/>
+            </a:fontRef>
+          </p:style>
+        </p:cxnSp>
+        <p:cxnSp>
+          <p:nvCxnSpPr>
+            <p:cNvPr id="52" name="Straight Connector 51"/>
+            <p:cNvCxnSpPr/>
+            <p:nvPr/>
+          </p:nvCxnSpPr>
+          <p:spPr>
+            <a:xfrm>
+              <a:off x="533400" y="3314700"/>
+              <a:ext cx="4572000" cy="0"/>
+            </a:xfrm>
+            <a:prstGeom prst="line">
+              <a:avLst/>
+            </a:prstGeom>
+          </p:spPr>
+          <p:style>
+            <a:lnRef idx="3">
+              <a:schemeClr val="accent2"/>
+            </a:lnRef>
+            <a:fillRef idx="0">
+              <a:schemeClr val="accent2"/>
+            </a:fillRef>
+            <a:effectRef idx="2">
+              <a:schemeClr val="accent2"/>
+            </a:effectRef>
+            <a:fontRef idx="minor">
+              <a:schemeClr val="tx1"/>
+            </a:fontRef>
+          </p:style>
+        </p:cxnSp>
+        <p:cxnSp>
+          <p:nvCxnSpPr>
+            <p:cNvPr id="54" name="Straight Connector 53"/>
+            <p:cNvCxnSpPr/>
+            <p:nvPr/>
+          </p:nvCxnSpPr>
+          <p:spPr>
+            <a:xfrm>
+              <a:off x="533400" y="5168900"/>
+              <a:ext cx="4572000" cy="0"/>
+            </a:xfrm>
+            <a:prstGeom prst="line">
+              <a:avLst/>
+            </a:prstGeom>
+          </p:spPr>
+          <p:style>
+            <a:lnRef idx="3">
+              <a:schemeClr val="accent2"/>
+            </a:lnRef>
+            <a:fillRef idx="0">
+              <a:schemeClr val="accent2"/>
+            </a:fillRef>
+            <a:effectRef idx="2">
+              <a:schemeClr val="accent2"/>
+            </a:effectRef>
+            <a:fontRef idx="minor">
+              <a:schemeClr val="tx1"/>
+            </a:fontRef>
+          </p:style>
+        </p:cxnSp>
+        <p:cxnSp>
+          <p:nvCxnSpPr>
+            <p:cNvPr id="55" name="Straight Connector 54"/>
+            <p:cNvCxnSpPr/>
+            <p:nvPr/>
+          </p:nvCxnSpPr>
+          <p:spPr>
+            <a:xfrm>
+              <a:off x="533400" y="1905000"/>
+              <a:ext cx="4572000" cy="0"/>
+            </a:xfrm>
+            <a:prstGeom prst="line">
+              <a:avLst/>
+            </a:prstGeom>
+          </p:spPr>
+          <p:style>
+            <a:lnRef idx="3">
+              <a:schemeClr val="accent2"/>
+            </a:lnRef>
+            <a:fillRef idx="0">
+              <a:schemeClr val="accent2"/>
+            </a:fillRef>
+            <a:effectRef idx="2">
+              <a:schemeClr val="accent2"/>
+            </a:effectRef>
+            <a:fontRef idx="minor">
+              <a:schemeClr val="tx1"/>
+            </a:fontRef>
+          </p:style>
+        </p:cxnSp>
+      </p:grpSp>
+      <p:grpSp>
+        <p:nvGrpSpPr>
+          <p:cNvPr id="3" name="Group 55"/>
+          <p:cNvGrpSpPr/>
+          <p:nvPr/>
+        </p:nvGrpSpPr>
+        <p:grpSpPr>
+          <a:xfrm>
+            <a:off x="838200" y="1630680"/>
+            <a:ext cx="3931920" cy="3931920"/>
+            <a:chOff x="533400" y="1295400"/>
+            <a:chExt cx="4573588" cy="4572000"/>
+          </a:xfrm>
+        </p:grpSpPr>
+        <p:cxnSp>
+          <p:nvCxnSpPr>
+            <p:cNvPr id="57" name="Straight Connector 56"/>
+            <p:cNvCxnSpPr/>
+            <p:nvPr/>
+          </p:nvCxnSpPr>
+          <p:spPr>
+            <a:xfrm>
+              <a:off x="533400" y="1295400"/>
+              <a:ext cx="4572000" cy="0"/>
+            </a:xfrm>
+            <a:prstGeom prst="line">
+              <a:avLst/>
+            </a:prstGeom>
+          </p:spPr>
+          <p:style>
+            <a:lnRef idx="3">
+              <a:schemeClr val="dk1"/>
+            </a:lnRef>
+            <a:fillRef idx="0">
+              <a:schemeClr val="dk1"/>
+            </a:fillRef>
+            <a:effectRef idx="2">
+              <a:schemeClr val="dk1"/>
+            </a:effectRef>
+            <a:fontRef idx="minor">
+              <a:schemeClr val="tx1"/>
+            </a:fontRef>
+          </p:style>
+        </p:cxnSp>
+        <p:cxnSp>
+          <p:nvCxnSpPr>
+            <p:cNvPr id="58" name="Straight Connector 57"/>
+            <p:cNvCxnSpPr/>
+            <p:nvPr/>
+          </p:nvCxnSpPr>
+          <p:spPr>
+            <a:xfrm rot="5400000">
+              <a:off x="-1751806" y="3580606"/>
+              <a:ext cx="4572000" cy="1588"/>
+            </a:xfrm>
+            <a:prstGeom prst="line">
+              <a:avLst/>
+            </a:prstGeom>
+          </p:spPr>
+          <p:style>
+            <a:lnRef idx="3">
+              <a:schemeClr val="dk1"/>
+            </a:lnRef>
+            <a:fillRef idx="0">
+              <a:schemeClr val="dk1"/>
+            </a:fillRef>
+            <a:effectRef idx="2">
+              <a:schemeClr val="dk1"/>
+            </a:effectRef>
+            <a:fontRef idx="minor">
+              <a:schemeClr val="tx1"/>
+            </a:fontRef>
+          </p:style>
+        </p:cxnSp>
+        <p:cxnSp>
+          <p:nvCxnSpPr>
+            <p:cNvPr id="59" name="Straight Connector 58"/>
+            <p:cNvCxnSpPr/>
+            <p:nvPr/>
+          </p:nvCxnSpPr>
+          <p:spPr>
+            <a:xfrm rot="5400000">
+              <a:off x="2820194" y="3580606"/>
+              <a:ext cx="4572000" cy="1588"/>
+            </a:xfrm>
+            <a:prstGeom prst="line">
+              <a:avLst/>
+            </a:prstGeom>
+          </p:spPr>
+          <p:style>
+            <a:lnRef idx="3">
+              <a:schemeClr val="dk1"/>
+            </a:lnRef>
+            <a:fillRef idx="0">
+              <a:schemeClr val="dk1"/>
+            </a:fillRef>
+            <a:effectRef idx="2">
+              <a:schemeClr val="dk1"/>
+            </a:effectRef>
+            <a:fontRef idx="minor">
+              <a:schemeClr val="tx1"/>
+            </a:fontRef>
+          </p:style>
+        </p:cxnSp>
+        <p:cxnSp>
+          <p:nvCxnSpPr>
+            <p:cNvPr id="60" name="Straight Connector 59"/>
+            <p:cNvCxnSpPr/>
+            <p:nvPr/>
+          </p:nvCxnSpPr>
+          <p:spPr>
+            <a:xfrm>
+              <a:off x="533400" y="5867400"/>
+              <a:ext cx="4572000" cy="0"/>
+            </a:xfrm>
+            <a:prstGeom prst="line">
+              <a:avLst/>
+            </a:prstGeom>
+          </p:spPr>
+          <p:style>
+            <a:lnRef idx="3">
+              <a:schemeClr val="dk1"/>
+            </a:lnRef>
+            <a:fillRef idx="0">
+              <a:schemeClr val="dk1"/>
+            </a:fillRef>
+            <a:effectRef idx="2">
+              <a:schemeClr val="dk1"/>
+            </a:effectRef>
+            <a:fontRef idx="minor">
+              <a:schemeClr val="tx1"/>
+            </a:fontRef>
+          </p:style>
+        </p:cxnSp>
+        <p:cxnSp>
+          <p:nvCxnSpPr>
+            <p:cNvPr id="61" name="Straight Connector 60"/>
+            <p:cNvCxnSpPr/>
+            <p:nvPr/>
+          </p:nvCxnSpPr>
+          <p:spPr>
+            <a:xfrm>
+              <a:off x="533400" y="3563679"/>
+              <a:ext cx="4572000" cy="0"/>
+            </a:xfrm>
+            <a:prstGeom prst="line">
+              <a:avLst/>
+            </a:prstGeom>
+          </p:spPr>
+          <p:style>
+            <a:lnRef idx="3">
+              <a:schemeClr val="dk1"/>
+            </a:lnRef>
+            <a:fillRef idx="0">
+              <a:schemeClr val="dk1"/>
+            </a:fillRef>
+            <a:effectRef idx="2">
+              <a:schemeClr val="dk1"/>
+            </a:effectRef>
+            <a:fontRef idx="minor">
+              <a:schemeClr val="tx1"/>
+            </a:fontRef>
+          </p:style>
+        </p:cxnSp>
+        <p:cxnSp>
+          <p:nvCxnSpPr>
+            <p:cNvPr id="62" name="Straight Connector 61"/>
+            <p:cNvCxnSpPr/>
+            <p:nvPr/>
+          </p:nvCxnSpPr>
+          <p:spPr>
+            <a:xfrm>
+              <a:off x="533400" y="4313865"/>
+              <a:ext cx="4572000" cy="0"/>
+            </a:xfrm>
+            <a:prstGeom prst="line">
+              <a:avLst/>
+            </a:prstGeom>
+          </p:spPr>
+          <p:style>
+            <a:lnRef idx="3">
+              <a:schemeClr val="dk1"/>
+            </a:lnRef>
+            <a:fillRef idx="0">
+              <a:schemeClr val="dk1"/>
+            </a:fillRef>
+            <a:effectRef idx="2">
+              <a:schemeClr val="dk1"/>
+            </a:effectRef>
+            <a:fontRef idx="minor">
+              <a:schemeClr val="tx1"/>
+            </a:fontRef>
+          </p:style>
+        </p:cxnSp>
+        <p:cxnSp>
+          <p:nvCxnSpPr>
+            <p:cNvPr id="63" name="Straight Connector 62"/>
+            <p:cNvCxnSpPr/>
+            <p:nvPr/>
+          </p:nvCxnSpPr>
+          <p:spPr>
+            <a:xfrm>
+              <a:off x="533400" y="2057400"/>
+              <a:ext cx="4572000" cy="0"/>
+            </a:xfrm>
+            <a:prstGeom prst="line">
+              <a:avLst/>
+            </a:prstGeom>
+          </p:spPr>
+          <p:style>
+            <a:lnRef idx="3">
+              <a:schemeClr val="dk1"/>
+            </a:lnRef>
+            <a:fillRef idx="0">
+              <a:schemeClr val="dk1"/>
+            </a:fillRef>
+            <a:effectRef idx="2">
+              <a:schemeClr val="dk1"/>
+            </a:effectRef>
+            <a:fontRef idx="minor">
+              <a:schemeClr val="tx1"/>
+            </a:fontRef>
+          </p:style>
+        </p:cxnSp>
+        <p:cxnSp>
+          <p:nvCxnSpPr>
+            <p:cNvPr id="64" name="Straight Connector 63"/>
+            <p:cNvCxnSpPr/>
+            <p:nvPr/>
+          </p:nvCxnSpPr>
+          <p:spPr>
+            <a:xfrm rot="5400000">
+              <a:off x="1142205" y="3580606"/>
+              <a:ext cx="4572000" cy="1588"/>
+            </a:xfrm>
+            <a:prstGeom prst="line">
+              <a:avLst/>
+            </a:prstGeom>
+          </p:spPr>
+          <p:style>
+            <a:lnRef idx="3">
+              <a:schemeClr val="dk1"/>
+            </a:lnRef>
+            <a:fillRef idx="0">
+              <a:schemeClr val="dk1"/>
+            </a:fillRef>
+            <a:effectRef idx="2">
+              <a:schemeClr val="dk1"/>
+            </a:effectRef>
+            <a:fontRef idx="minor">
+              <a:schemeClr val="tx1"/>
+            </a:fontRef>
+          </p:style>
+        </p:cxnSp>
+        <p:cxnSp>
+          <p:nvCxnSpPr>
+            <p:cNvPr id="66" name="Straight Connector 65"/>
+            <p:cNvCxnSpPr/>
+            <p:nvPr/>
+          </p:nvCxnSpPr>
+          <p:spPr>
+            <a:xfrm rot="5400000">
+              <a:off x="-380206" y="3580606"/>
+              <a:ext cx="4572000" cy="1588"/>
+            </a:xfrm>
+            <a:prstGeom prst="line">
+              <a:avLst/>
+            </a:prstGeom>
+          </p:spPr>
+          <p:style>
+            <a:lnRef idx="3">
+              <a:schemeClr val="dk1"/>
+            </a:lnRef>
+            <a:fillRef idx="0">
+              <a:schemeClr val="dk1"/>
+            </a:fillRef>
+            <a:effectRef idx="2">
+              <a:schemeClr val="dk1"/>
+            </a:effectRef>
+            <a:fontRef idx="minor">
+              <a:schemeClr val="tx1"/>
+            </a:fontRef>
+          </p:style>
+        </p:cxnSp>
+        <p:cxnSp>
+          <p:nvCxnSpPr>
+            <p:cNvPr id="67" name="Straight Connector 66"/>
+            <p:cNvCxnSpPr/>
+            <p:nvPr/>
+          </p:nvCxnSpPr>
+          <p:spPr>
+            <a:xfrm rot="5400000">
+              <a:off x="-1067594" y="3580606"/>
+              <a:ext cx="4572000" cy="1588"/>
+            </a:xfrm>
+            <a:prstGeom prst="line">
+              <a:avLst/>
+            </a:prstGeom>
+          </p:spPr>
+          <p:style>
+            <a:lnRef idx="3">
+              <a:schemeClr val="dk1"/>
+            </a:lnRef>
+            <a:fillRef idx="0">
+              <a:schemeClr val="dk1"/>
+            </a:fillRef>
+            <a:effectRef idx="2">
+              <a:schemeClr val="dk1"/>
+            </a:effectRef>
+            <a:fontRef idx="minor">
+              <a:schemeClr val="tx1"/>
+            </a:fontRef>
+          </p:style>
+        </p:cxnSp>
+        <p:cxnSp>
+          <p:nvCxnSpPr>
+            <p:cNvPr id="68" name="Straight Connector 67"/>
+            <p:cNvCxnSpPr/>
+            <p:nvPr/>
+          </p:nvCxnSpPr>
+          <p:spPr>
+            <a:xfrm rot="5400000">
+              <a:off x="380205" y="3580606"/>
+              <a:ext cx="4572000" cy="1588"/>
+            </a:xfrm>
+            <a:prstGeom prst="line">
+              <a:avLst/>
+            </a:prstGeom>
+          </p:spPr>
+          <p:style>
+            <a:lnRef idx="3">
+              <a:schemeClr val="dk1"/>
+            </a:lnRef>
+            <a:fillRef idx="0">
+              <a:schemeClr val="dk1"/>
+            </a:fillRef>
+            <a:effectRef idx="2">
+              <a:schemeClr val="dk1"/>
+            </a:effectRef>
+            <a:fontRef idx="minor">
+              <a:schemeClr val="tx1"/>
+            </a:fontRef>
+          </p:style>
+        </p:cxnSp>
+        <p:cxnSp>
+          <p:nvCxnSpPr>
+            <p:cNvPr id="69" name="Straight Connector 68"/>
+            <p:cNvCxnSpPr/>
+            <p:nvPr/>
+          </p:nvCxnSpPr>
+          <p:spPr>
+            <a:xfrm rot="5400000">
+              <a:off x="1980406" y="3580606"/>
+              <a:ext cx="4572000" cy="1588"/>
+            </a:xfrm>
+            <a:prstGeom prst="line">
+              <a:avLst/>
+            </a:prstGeom>
+          </p:spPr>
+          <p:style>
+            <a:lnRef idx="3">
+              <a:schemeClr val="dk1"/>
+            </a:lnRef>
+            <a:fillRef idx="0">
+              <a:schemeClr val="dk1"/>
+            </a:fillRef>
+            <a:effectRef idx="2">
+              <a:schemeClr val="dk1"/>
+            </a:effectRef>
+            <a:fontRef idx="minor">
+              <a:schemeClr val="tx1"/>
+            </a:fontRef>
+          </p:style>
+        </p:cxnSp>
+        <p:cxnSp>
+          <p:nvCxnSpPr>
+            <p:cNvPr id="70" name="Straight Connector 69"/>
+            <p:cNvCxnSpPr/>
+            <p:nvPr/>
+          </p:nvCxnSpPr>
+          <p:spPr>
+            <a:xfrm>
+              <a:off x="533400" y="2854842"/>
+              <a:ext cx="4572000" cy="0"/>
+            </a:xfrm>
+            <a:prstGeom prst="line">
+              <a:avLst/>
+            </a:prstGeom>
+          </p:spPr>
+          <p:style>
+            <a:lnRef idx="3">
+              <a:schemeClr val="dk1"/>
+            </a:lnRef>
+            <a:fillRef idx="0">
+              <a:schemeClr val="dk1"/>
+            </a:fillRef>
+            <a:effectRef idx="2">
+              <a:schemeClr val="dk1"/>
+            </a:effectRef>
+            <a:fontRef idx="minor">
+              <a:schemeClr val="tx1"/>
+            </a:fontRef>
+          </p:style>
+        </p:cxnSp>
+        <p:cxnSp>
+          <p:nvCxnSpPr>
+            <p:cNvPr id="71" name="Straight Connector 70"/>
+            <p:cNvCxnSpPr/>
+            <p:nvPr/>
+          </p:nvCxnSpPr>
+          <p:spPr>
+            <a:xfrm>
+              <a:off x="533400" y="5029200"/>
+              <a:ext cx="4572000" cy="0"/>
+            </a:xfrm>
+            <a:prstGeom prst="line">
+              <a:avLst/>
+            </a:prstGeom>
+          </p:spPr>
+          <p:style>
+            <a:lnRef idx="3">
+              <a:schemeClr val="dk1"/>
+            </a:lnRef>
+            <a:fillRef idx="0">
+              <a:schemeClr val="dk1"/>
+            </a:fillRef>
+            <a:effectRef idx="2">
+              <a:schemeClr val="dk1"/>
+            </a:effectRef>
+            <a:fontRef idx="minor">
+              <a:schemeClr val="tx1"/>
+            </a:fontRef>
+          </p:style>
+        </p:cxnSp>
+      </p:grpSp>
+      <p:grpSp>
+        <p:nvGrpSpPr>
+          <p:cNvPr id="4" name="Group 72"/>
+          <p:cNvGrpSpPr/>
+          <p:nvPr/>
+        </p:nvGrpSpPr>
+        <p:grpSpPr>
+          <a:xfrm>
+            <a:off x="1143000" y="1889760"/>
+            <a:ext cx="3291840" cy="3291840"/>
+            <a:chOff x="533400" y="1295400"/>
+            <a:chExt cx="4573588" cy="4572000"/>
+          </a:xfrm>
+        </p:grpSpPr>
+        <p:cxnSp>
+          <p:nvCxnSpPr>
+            <p:cNvPr id="74" name="Straight Connector 73"/>
+            <p:cNvCxnSpPr/>
+            <p:nvPr/>
+          </p:nvCxnSpPr>
+          <p:spPr>
+            <a:xfrm>
+              <a:off x="533400" y="1295400"/>
+              <a:ext cx="4572000" cy="0"/>
+            </a:xfrm>
+            <a:prstGeom prst="line">
+              <a:avLst/>
+            </a:prstGeom>
+          </p:spPr>
+          <p:style>
+            <a:lnRef idx="3">
+              <a:schemeClr val="accent3"/>
+            </a:lnRef>
+            <a:fillRef idx="0">
+              <a:schemeClr val="accent3"/>
+            </a:fillRef>
+            <a:effectRef idx="2">
+              <a:schemeClr val="accent3"/>
+            </a:effectRef>
+            <a:fontRef idx="minor">
+              <a:schemeClr val="tx1"/>
+            </a:fontRef>
+          </p:style>
+        </p:cxnSp>
+        <p:cxnSp>
+          <p:nvCxnSpPr>
+            <p:cNvPr id="75" name="Straight Connector 74"/>
+            <p:cNvCxnSpPr/>
+            <p:nvPr/>
+          </p:nvCxnSpPr>
+          <p:spPr>
+            <a:xfrm rot="5400000">
+              <a:off x="-1751806" y="3580606"/>
+              <a:ext cx="4572000" cy="1588"/>
+            </a:xfrm>
+            <a:prstGeom prst="line">
+              <a:avLst/>
+            </a:prstGeom>
+          </p:spPr>
+          <p:style>
+            <a:lnRef idx="3">
+              <a:schemeClr val="accent3"/>
+            </a:lnRef>
+            <a:fillRef idx="0">
+              <a:schemeClr val="accent3"/>
+            </a:fillRef>
+            <a:effectRef idx="2">
+              <a:schemeClr val="accent3"/>
+            </a:effectRef>
+            <a:fontRef idx="minor">
+              <a:schemeClr val="tx1"/>
+            </a:fontRef>
+          </p:style>
+        </p:cxnSp>
+        <p:cxnSp>
+          <p:nvCxnSpPr>
+            <p:cNvPr id="76" name="Straight Connector 75"/>
+            <p:cNvCxnSpPr/>
+            <p:nvPr/>
+          </p:nvCxnSpPr>
+          <p:spPr>
+            <a:xfrm rot="5400000">
+              <a:off x="2820194" y="3580606"/>
+              <a:ext cx="4572000" cy="1588"/>
+            </a:xfrm>
+            <a:prstGeom prst="line">
+              <a:avLst/>
+            </a:prstGeom>
+          </p:spPr>
+          <p:style>
+            <a:lnRef idx="3">
+              <a:schemeClr val="accent3"/>
+            </a:lnRef>
+            <a:fillRef idx="0">
+              <a:schemeClr val="accent3"/>
+            </a:fillRef>
+            <a:effectRef idx="2">
+              <a:schemeClr val="accent3"/>
+            </a:effectRef>
+            <a:fontRef idx="minor">
+              <a:schemeClr val="tx1"/>
+            </a:fontRef>
+          </p:style>
+        </p:cxnSp>
+        <p:cxnSp>
+          <p:nvCxnSpPr>
+            <p:cNvPr id="77" name="Straight Connector 76"/>
+            <p:cNvCxnSpPr/>
+            <p:nvPr/>
+          </p:nvCxnSpPr>
+          <p:spPr>
+            <a:xfrm>
+              <a:off x="533400" y="5867400"/>
+              <a:ext cx="4572000" cy="0"/>
+            </a:xfrm>
+            <a:prstGeom prst="line">
+              <a:avLst/>
+            </a:prstGeom>
+          </p:spPr>
+          <p:style>
+            <a:lnRef idx="3">
+              <a:schemeClr val="accent3"/>
+            </a:lnRef>
+            <a:fillRef idx="0">
+              <a:schemeClr val="accent3"/>
+            </a:fillRef>
+            <a:effectRef idx="2">
+              <a:schemeClr val="accent3"/>
+            </a:effectRef>
+            <a:fontRef idx="minor">
+              <a:schemeClr val="tx1"/>
+            </a:fontRef>
+          </p:style>
+        </p:cxnSp>
+        <p:cxnSp>
+          <p:nvCxnSpPr>
+            <p:cNvPr id="78" name="Straight Connector 77"/>
+            <p:cNvCxnSpPr/>
+            <p:nvPr/>
+          </p:nvCxnSpPr>
+          <p:spPr>
+            <a:xfrm>
+              <a:off x="533400" y="3297865"/>
+              <a:ext cx="4572000" cy="0"/>
+            </a:xfrm>
+            <a:prstGeom prst="line">
+              <a:avLst/>
+            </a:prstGeom>
+          </p:spPr>
+          <p:style>
+            <a:lnRef idx="3">
+              <a:schemeClr val="accent3"/>
+            </a:lnRef>
+            <a:fillRef idx="0">
+              <a:schemeClr val="accent3"/>
+            </a:fillRef>
+            <a:effectRef idx="2">
+              <a:schemeClr val="accent3"/>
+            </a:effectRef>
+            <a:fontRef idx="minor">
+              <a:schemeClr val="tx1"/>
+            </a:fontRef>
+          </p:style>
+        </p:cxnSp>
+        <p:cxnSp>
+          <p:nvCxnSpPr>
+            <p:cNvPr id="79" name="Straight Connector 78"/>
+            <p:cNvCxnSpPr/>
+            <p:nvPr/>
+          </p:nvCxnSpPr>
+          <p:spPr>
+            <a:xfrm>
+              <a:off x="533400" y="4183912"/>
+              <a:ext cx="4572000" cy="0"/>
+            </a:xfrm>
+            <a:prstGeom prst="line">
+              <a:avLst/>
+            </a:prstGeom>
+          </p:spPr>
+          <p:style>
+            <a:lnRef idx="3">
+              <a:schemeClr val="accent3"/>
+            </a:lnRef>
+            <a:fillRef idx="0">
+              <a:schemeClr val="accent3"/>
+            </a:fillRef>
+            <a:effectRef idx="2">
+              <a:schemeClr val="accent3"/>
+            </a:effectRef>
+            <a:fontRef idx="minor">
+              <a:schemeClr val="tx1"/>
+            </a:fontRef>
+          </p:style>
+        </p:cxnSp>
+        <p:cxnSp>
+          <p:nvCxnSpPr>
+            <p:cNvPr id="81" name="Straight Connector 80"/>
+            <p:cNvCxnSpPr/>
+            <p:nvPr/>
+          </p:nvCxnSpPr>
+          <p:spPr>
+            <a:xfrm rot="5400000">
+              <a:off x="1800886" y="3580606"/>
+              <a:ext cx="4572000" cy="1588"/>
+            </a:xfrm>
+            <a:prstGeom prst="line">
+              <a:avLst/>
+            </a:prstGeom>
+          </p:spPr>
+          <p:style>
+            <a:lnRef idx="3">
+              <a:schemeClr val="accent3"/>
+            </a:lnRef>
+            <a:fillRef idx="0">
+              <a:schemeClr val="accent3"/>
+            </a:fillRef>
+            <a:effectRef idx="2">
+              <a:schemeClr val="accent3"/>
+            </a:effectRef>
+            <a:fontRef idx="minor">
+              <a:schemeClr val="tx1"/>
+            </a:fontRef>
+          </p:style>
+        </p:cxnSp>
+        <p:cxnSp>
+          <p:nvCxnSpPr>
+            <p:cNvPr id="82" name="Straight Connector 81"/>
+            <p:cNvCxnSpPr/>
+            <p:nvPr/>
+          </p:nvCxnSpPr>
+          <p:spPr>
+            <a:xfrm rot="5400000">
+              <a:off x="-30913" y="3580606"/>
+              <a:ext cx="4572000" cy="1588"/>
+            </a:xfrm>
+            <a:prstGeom prst="line">
+              <a:avLst/>
+            </a:prstGeom>
+          </p:spPr>
+          <p:style>
+            <a:lnRef idx="3">
+              <a:schemeClr val="accent3"/>
+            </a:lnRef>
+            <a:fillRef idx="0">
+              <a:schemeClr val="accent3"/>
+            </a:fillRef>
+            <a:effectRef idx="2">
+              <a:schemeClr val="accent3"/>
+            </a:effectRef>
+            <a:fontRef idx="minor">
+              <a:schemeClr val="tx1"/>
+            </a:fontRef>
+          </p:style>
+        </p:cxnSp>
+        <p:cxnSp>
+          <p:nvCxnSpPr>
+            <p:cNvPr id="83" name="Straight Connector 82"/>
+            <p:cNvCxnSpPr/>
+            <p:nvPr/>
+          </p:nvCxnSpPr>
+          <p:spPr>
+            <a:xfrm rot="5400000">
+              <a:off x="-843404" y="3580606"/>
+              <a:ext cx="4572000" cy="1588"/>
+            </a:xfrm>
+            <a:prstGeom prst="line">
+              <a:avLst/>
+            </a:prstGeom>
+          </p:spPr>
+          <p:style>
+            <a:lnRef idx="3">
+              <a:schemeClr val="accent3"/>
+            </a:lnRef>
+            <a:fillRef idx="0">
+              <a:schemeClr val="accent3"/>
+            </a:fillRef>
+            <a:effectRef idx="2">
+              <a:schemeClr val="accent3"/>
+            </a:effectRef>
+            <a:fontRef idx="minor">
+              <a:schemeClr val="tx1"/>
+            </a:fontRef>
+          </p:style>
+        </p:cxnSp>
+        <p:cxnSp>
+          <p:nvCxnSpPr>
+            <p:cNvPr id="84" name="Straight Connector 83"/>
+            <p:cNvCxnSpPr/>
+            <p:nvPr/>
+          </p:nvCxnSpPr>
+          <p:spPr>
+            <a:xfrm rot="5400000">
+              <a:off x="811124" y="3580606"/>
+              <a:ext cx="4572000" cy="1588"/>
+            </a:xfrm>
+            <a:prstGeom prst="line">
+              <a:avLst/>
+            </a:prstGeom>
+          </p:spPr>
+          <p:style>
+            <a:lnRef idx="3">
+              <a:schemeClr val="accent3"/>
+            </a:lnRef>
+            <a:fillRef idx="0">
+              <a:schemeClr val="accent3"/>
+            </a:fillRef>
+            <a:effectRef idx="2">
+              <a:schemeClr val="accent3"/>
+            </a:effectRef>
+            <a:fontRef idx="minor">
+              <a:schemeClr val="tx1"/>
+            </a:fontRef>
+          </p:style>
+        </p:cxnSp>
+        <p:cxnSp>
+          <p:nvCxnSpPr>
+            <p:cNvPr id="86" name="Straight Connector 85"/>
+            <p:cNvCxnSpPr/>
+            <p:nvPr/>
+          </p:nvCxnSpPr>
+          <p:spPr>
+            <a:xfrm>
+              <a:off x="533400" y="2323214"/>
+              <a:ext cx="4572000" cy="0"/>
+            </a:xfrm>
+            <a:prstGeom prst="line">
+              <a:avLst/>
+            </a:prstGeom>
+          </p:spPr>
+          <p:style>
+            <a:lnRef idx="3">
+              <a:schemeClr val="accent3"/>
+            </a:lnRef>
+            <a:fillRef idx="0">
+              <a:schemeClr val="accent3"/>
+            </a:fillRef>
+            <a:effectRef idx="2">
+              <a:schemeClr val="accent3"/>
+            </a:effectRef>
+            <a:fontRef idx="minor">
+              <a:schemeClr val="tx1"/>
+            </a:fontRef>
+          </p:style>
+        </p:cxnSp>
+        <p:cxnSp>
+          <p:nvCxnSpPr>
+            <p:cNvPr id="87" name="Straight Connector 86"/>
+            <p:cNvCxnSpPr/>
+            <p:nvPr/>
+          </p:nvCxnSpPr>
+          <p:spPr>
+            <a:xfrm>
+              <a:off x="533400" y="5029200"/>
+              <a:ext cx="4572000" cy="0"/>
+            </a:xfrm>
+            <a:prstGeom prst="line">
+              <a:avLst/>
+            </a:prstGeom>
+          </p:spPr>
+          <p:style>
+            <a:lnRef idx="3">
+              <a:schemeClr val="accent3"/>
+            </a:lnRef>
+            <a:fillRef idx="0">
+              <a:schemeClr val="accent3"/>
+            </a:fillRef>
+            <a:effectRef idx="2">
+              <a:schemeClr val="accent3"/>
+            </a:effectRef>
+            <a:fontRef idx="minor">
+              <a:schemeClr val="tx1"/>
+            </a:fontRef>
+          </p:style>
+        </p:cxnSp>
+      </p:grpSp>
+      <p:grpSp>
+        <p:nvGrpSpPr>
+          <p:cNvPr id="51" name="Group 36"/>
+          <p:cNvGrpSpPr/>
+          <p:nvPr/>
+        </p:nvGrpSpPr>
+        <p:grpSpPr>
+          <a:xfrm>
+            <a:off x="5105400" y="1295400"/>
+            <a:ext cx="4573588" cy="4572000"/>
+            <a:chOff x="533400" y="1295400"/>
+            <a:chExt cx="4573588" cy="4572000"/>
+          </a:xfrm>
+        </p:grpSpPr>
+        <p:cxnSp>
+          <p:nvCxnSpPr>
+            <p:cNvPr id="53" name="Straight Connector 52"/>
+            <p:cNvCxnSpPr/>
+            <p:nvPr/>
+          </p:nvCxnSpPr>
+          <p:spPr>
+            <a:xfrm>
+              <a:off x="533400" y="1295400"/>
+              <a:ext cx="4572000" cy="0"/>
+            </a:xfrm>
+            <a:prstGeom prst="line">
+              <a:avLst/>
+            </a:prstGeom>
+          </p:spPr>
+          <p:style>
+            <a:lnRef idx="3">
+              <a:schemeClr val="accent2"/>
+            </a:lnRef>
+            <a:fillRef idx="0">
+              <a:schemeClr val="accent2"/>
+            </a:fillRef>
+            <a:effectRef idx="2">
+              <a:schemeClr val="accent2"/>
+            </a:effectRef>
+            <a:fontRef idx="minor">
+              <a:schemeClr val="tx1"/>
+            </a:fontRef>
+          </p:style>
+        </p:cxnSp>
+        <p:cxnSp>
+          <p:nvCxnSpPr>
+            <p:cNvPr id="56" name="Straight Connector 55"/>
+            <p:cNvCxnSpPr/>
+            <p:nvPr/>
+          </p:nvCxnSpPr>
+          <p:spPr>
+            <a:xfrm rot="5400000">
+              <a:off x="-1751806" y="3580606"/>
+              <a:ext cx="4572000" cy="1588"/>
+            </a:xfrm>
+            <a:prstGeom prst="line">
+              <a:avLst/>
+            </a:prstGeom>
+          </p:spPr>
+          <p:style>
+            <a:lnRef idx="3">
+              <a:schemeClr val="accent2"/>
+            </a:lnRef>
+            <a:fillRef idx="0">
+              <a:schemeClr val="accent2"/>
+            </a:fillRef>
+            <a:effectRef idx="2">
+              <a:schemeClr val="accent2"/>
+            </a:effectRef>
+            <a:fontRef idx="minor">
+              <a:schemeClr val="tx1"/>
+            </a:fontRef>
+          </p:style>
+        </p:cxnSp>
+        <p:cxnSp>
+          <p:nvCxnSpPr>
+            <p:cNvPr id="65" name="Straight Connector 64"/>
+            <p:cNvCxnSpPr/>
+            <p:nvPr/>
+          </p:nvCxnSpPr>
+          <p:spPr>
+            <a:xfrm rot="5400000">
+              <a:off x="2820194" y="3580606"/>
+              <a:ext cx="4572000" cy="1588"/>
+            </a:xfrm>
+            <a:prstGeom prst="line">
+              <a:avLst/>
+            </a:prstGeom>
+          </p:spPr>
+          <p:style>
+            <a:lnRef idx="3">
+              <a:schemeClr val="accent2"/>
+            </a:lnRef>
+            <a:fillRef idx="0">
+              <a:schemeClr val="accent2"/>
+            </a:fillRef>
+            <a:effectRef idx="2">
+              <a:schemeClr val="accent2"/>
+            </a:effectRef>
+            <a:fontRef idx="minor">
+              <a:schemeClr val="tx1"/>
+            </a:fontRef>
+          </p:style>
+        </p:cxnSp>
+        <p:cxnSp>
+          <p:nvCxnSpPr>
+            <p:cNvPr id="72" name="Straight Connector 71"/>
+            <p:cNvCxnSpPr/>
+            <p:nvPr/>
+          </p:nvCxnSpPr>
+          <p:spPr>
+            <a:xfrm>
+              <a:off x="533400" y="5867400"/>
+              <a:ext cx="4572000" cy="0"/>
+            </a:xfrm>
+            <a:prstGeom prst="line">
+              <a:avLst/>
+            </a:prstGeom>
+          </p:spPr>
+          <p:style>
+            <a:lnRef idx="3">
+              <a:schemeClr val="accent2"/>
+            </a:lnRef>
+            <a:fillRef idx="0">
+              <a:schemeClr val="accent2"/>
+            </a:fillRef>
+            <a:effectRef idx="2">
+              <a:schemeClr val="accent2"/>
+            </a:effectRef>
+            <a:fontRef idx="minor">
+              <a:schemeClr val="tx1"/>
+            </a:fontRef>
+          </p:style>
+        </p:cxnSp>
+        <p:cxnSp>
+          <p:nvCxnSpPr>
+            <p:cNvPr id="73" name="Straight Connector 72"/>
+            <p:cNvCxnSpPr/>
+            <p:nvPr/>
+          </p:nvCxnSpPr>
+          <p:spPr>
+            <a:xfrm>
+              <a:off x="533400" y="3975100"/>
+              <a:ext cx="4572000" cy="0"/>
+            </a:xfrm>
+            <a:prstGeom prst="line">
+              <a:avLst/>
+            </a:prstGeom>
+          </p:spPr>
+          <p:style>
+            <a:lnRef idx="3">
+              <a:schemeClr val="accent2"/>
+            </a:lnRef>
+            <a:fillRef idx="0">
+              <a:schemeClr val="accent2"/>
+            </a:fillRef>
+            <a:effectRef idx="2">
+              <a:schemeClr val="accent2"/>
+            </a:effectRef>
+            <a:fontRef idx="minor">
+              <a:schemeClr val="tx1"/>
+            </a:fontRef>
+          </p:style>
+        </p:cxnSp>
+        <p:cxnSp>
+          <p:nvCxnSpPr>
+            <p:cNvPr id="80" name="Straight Connector 79"/>
+            <p:cNvCxnSpPr/>
+            <p:nvPr/>
+          </p:nvCxnSpPr>
+          <p:spPr>
+            <a:xfrm>
+              <a:off x="533400" y="4572000"/>
+              <a:ext cx="4572000" cy="0"/>
+            </a:xfrm>
+            <a:prstGeom prst="line">
+              <a:avLst/>
+            </a:prstGeom>
+          </p:spPr>
+          <p:style>
+            <a:lnRef idx="3">
+              <a:schemeClr val="accent2"/>
+            </a:lnRef>
+            <a:fillRef idx="0">
+              <a:schemeClr val="accent2"/>
+            </a:fillRef>
+            <a:effectRef idx="2">
+              <a:schemeClr val="accent2"/>
+            </a:effectRef>
+            <a:fontRef idx="minor">
+              <a:schemeClr val="tx1"/>
+            </a:fontRef>
+          </p:style>
+        </p:cxnSp>
+        <p:cxnSp>
+          <p:nvCxnSpPr>
+            <p:cNvPr id="85" name="Straight Connector 84"/>
+            <p:cNvCxnSpPr/>
+            <p:nvPr/>
+          </p:nvCxnSpPr>
+          <p:spPr>
+            <a:xfrm>
+              <a:off x="533400" y="2628900"/>
+              <a:ext cx="4572000" cy="0"/>
+            </a:xfrm>
+            <a:prstGeom prst="line">
+              <a:avLst/>
+            </a:prstGeom>
+          </p:spPr>
+          <p:style>
+            <a:lnRef idx="3">
+              <a:schemeClr val="accent2"/>
+            </a:lnRef>
+            <a:fillRef idx="0">
+              <a:schemeClr val="accent2"/>
+            </a:fillRef>
+            <a:effectRef idx="2">
+              <a:schemeClr val="accent2"/>
+            </a:effectRef>
+            <a:fontRef idx="minor">
+              <a:schemeClr val="tx1"/>
+            </a:fontRef>
+          </p:style>
+        </p:cxnSp>
+        <p:cxnSp>
+          <p:nvCxnSpPr>
+            <p:cNvPr id="88" name="Straight Connector 87"/>
+            <p:cNvCxnSpPr/>
+            <p:nvPr/>
+          </p:nvCxnSpPr>
+          <p:spPr>
+            <a:xfrm rot="5400000">
+              <a:off x="710405" y="3580606"/>
+              <a:ext cx="4572000" cy="1588"/>
+            </a:xfrm>
+            <a:prstGeom prst="line">
+              <a:avLst/>
+            </a:prstGeom>
+          </p:spPr>
+          <p:style>
+            <a:lnRef idx="3">
+              <a:schemeClr val="accent2"/>
+            </a:lnRef>
+            <a:fillRef idx="0">
+              <a:schemeClr val="accent2"/>
+            </a:fillRef>
+            <a:effectRef idx="2">
+              <a:schemeClr val="accent2"/>
+            </a:effectRef>
+            <a:fontRef idx="minor">
+              <a:schemeClr val="tx1"/>
+            </a:fontRef>
+          </p:style>
+        </p:cxnSp>
+        <p:cxnSp>
+          <p:nvCxnSpPr>
+            <p:cNvPr id="89" name="Straight Connector 88"/>
+            <p:cNvCxnSpPr/>
+            <p:nvPr/>
+          </p:nvCxnSpPr>
+          <p:spPr>
+            <a:xfrm rot="5400000">
+              <a:off x="2132806" y="3580606"/>
+              <a:ext cx="4572000" cy="1588"/>
+            </a:xfrm>
+            <a:prstGeom prst="line">
+              <a:avLst/>
+            </a:prstGeom>
+          </p:spPr>
+          <p:style>
+            <a:lnRef idx="3">
+              <a:schemeClr val="accent2"/>
+            </a:lnRef>
+            <a:fillRef idx="0">
+              <a:schemeClr val="accent2"/>
+            </a:fillRef>
+            <a:effectRef idx="2">
+              <a:schemeClr val="accent2"/>
+            </a:effectRef>
+            <a:fontRef idx="minor">
+              <a:schemeClr val="tx1"/>
+            </a:fontRef>
+          </p:style>
+        </p:cxnSp>
+        <p:cxnSp>
+          <p:nvCxnSpPr>
+            <p:cNvPr id="90" name="Straight Connector 89"/>
+            <p:cNvCxnSpPr/>
+            <p:nvPr/>
+          </p:nvCxnSpPr>
+          <p:spPr>
+            <a:xfrm rot="5400000">
+              <a:off x="-508795" y="3580606"/>
+              <a:ext cx="4572000" cy="1588"/>
+            </a:xfrm>
+            <a:prstGeom prst="line">
+              <a:avLst/>
+            </a:prstGeom>
+          </p:spPr>
+          <p:style>
+            <a:lnRef idx="3">
+              <a:schemeClr val="accent2"/>
+            </a:lnRef>
+            <a:fillRef idx="0">
+              <a:schemeClr val="accent2"/>
+            </a:fillRef>
+            <a:effectRef idx="2">
+              <a:schemeClr val="accent2"/>
+            </a:effectRef>
+            <a:fontRef idx="minor">
+              <a:schemeClr val="tx1"/>
+            </a:fontRef>
+          </p:style>
+        </p:cxnSp>
+        <p:cxnSp>
+          <p:nvCxnSpPr>
+            <p:cNvPr id="91" name="Straight Connector 90"/>
+            <p:cNvCxnSpPr/>
+            <p:nvPr/>
+          </p:nvCxnSpPr>
+          <p:spPr>
+            <a:xfrm rot="5400000">
+              <a:off x="-1142206" y="3580606"/>
+              <a:ext cx="4572000" cy="1588"/>
+            </a:xfrm>
+            <a:prstGeom prst="line">
+              <a:avLst/>
+            </a:prstGeom>
+          </p:spPr>
+          <p:style>
+            <a:lnRef idx="3">
+              <a:schemeClr val="accent2"/>
+            </a:lnRef>
+            <a:fillRef idx="0">
+              <a:schemeClr val="accent2"/>
+            </a:fillRef>
+            <a:effectRef idx="2">
+              <a:schemeClr val="accent2"/>
+            </a:effectRef>
+            <a:fontRef idx="minor">
+              <a:schemeClr val="tx1"/>
+            </a:fontRef>
+          </p:style>
+        </p:cxnSp>
+        <p:cxnSp>
+          <p:nvCxnSpPr>
+            <p:cNvPr id="92" name="Straight Connector 91"/>
+            <p:cNvCxnSpPr/>
+            <p:nvPr/>
+          </p:nvCxnSpPr>
+          <p:spPr>
+            <a:xfrm rot="5400000">
+              <a:off x="100805" y="3580606"/>
+              <a:ext cx="4572000" cy="1588"/>
+            </a:xfrm>
+            <a:prstGeom prst="line">
+              <a:avLst/>
+            </a:prstGeom>
+          </p:spPr>
+          <p:style>
+            <a:lnRef idx="3">
+              <a:schemeClr val="accent2"/>
+            </a:lnRef>
+            <a:fillRef idx="0">
+              <a:schemeClr val="accent2"/>
+            </a:fillRef>
+            <a:effectRef idx="2">
+              <a:schemeClr val="accent2"/>
+            </a:effectRef>
+            <a:fontRef idx="minor">
+              <a:schemeClr val="tx1"/>
+            </a:fontRef>
+          </p:style>
+        </p:cxnSp>
+        <p:cxnSp>
+          <p:nvCxnSpPr>
+            <p:cNvPr id="93" name="Straight Connector 92"/>
+            <p:cNvCxnSpPr/>
+            <p:nvPr/>
+          </p:nvCxnSpPr>
+          <p:spPr>
+            <a:xfrm rot="5400000">
+              <a:off x="1410494" y="3580606"/>
+              <a:ext cx="4572000" cy="1588"/>
+            </a:xfrm>
+            <a:prstGeom prst="line">
+              <a:avLst/>
+            </a:prstGeom>
+          </p:spPr>
+          <p:style>
+            <a:lnRef idx="3">
+              <a:schemeClr val="accent2"/>
+            </a:lnRef>
+            <a:fillRef idx="0">
+              <a:schemeClr val="accent2"/>
+            </a:fillRef>
+            <a:effectRef idx="2">
+              <a:schemeClr val="accent2"/>
+            </a:effectRef>
+            <a:fontRef idx="minor">
+              <a:schemeClr val="tx1"/>
+            </a:fontRef>
+          </p:style>
+        </p:cxnSp>
+        <p:cxnSp>
+          <p:nvCxnSpPr>
+            <p:cNvPr id="94" name="Straight Connector 93"/>
+            <p:cNvCxnSpPr/>
+            <p:nvPr/>
+          </p:nvCxnSpPr>
+          <p:spPr>
+            <a:xfrm>
+              <a:off x="533400" y="3314700"/>
+              <a:ext cx="4572000" cy="0"/>
+            </a:xfrm>
+            <a:prstGeom prst="line">
+              <a:avLst/>
+            </a:prstGeom>
+          </p:spPr>
+          <p:style>
+            <a:lnRef idx="3">
+              <a:schemeClr val="accent2"/>
+            </a:lnRef>
+            <a:fillRef idx="0">
+              <a:schemeClr val="accent2"/>
+            </a:fillRef>
+            <a:effectRef idx="2">
+              <a:schemeClr val="accent2"/>
+            </a:effectRef>
+            <a:fontRef idx="minor">
+              <a:schemeClr val="tx1"/>
+            </a:fontRef>
+          </p:style>
+        </p:cxnSp>
+        <p:cxnSp>
+          <p:nvCxnSpPr>
+            <p:cNvPr id="95" name="Straight Connector 94"/>
+            <p:cNvCxnSpPr/>
+            <p:nvPr/>
+          </p:nvCxnSpPr>
+          <p:spPr>
+            <a:xfrm>
+              <a:off x="533400" y="5168900"/>
+              <a:ext cx="4572000" cy="0"/>
+            </a:xfrm>
+            <a:prstGeom prst="line">
+              <a:avLst/>
+            </a:prstGeom>
+          </p:spPr>
+          <p:style>
+            <a:lnRef idx="3">
+              <a:schemeClr val="accent2"/>
+            </a:lnRef>
+            <a:fillRef idx="0">
+              <a:schemeClr val="accent2"/>
+            </a:fillRef>
+            <a:effectRef idx="2">
+              <a:schemeClr val="accent2"/>
+            </a:effectRef>
+            <a:fontRef idx="minor">
+              <a:schemeClr val="tx1"/>
+            </a:fontRef>
+          </p:style>
+        </p:cxnSp>
+        <p:cxnSp>
+          <p:nvCxnSpPr>
+            <p:cNvPr id="96" name="Straight Connector 95"/>
+            <p:cNvCxnSpPr/>
+            <p:nvPr/>
+          </p:nvCxnSpPr>
+          <p:spPr>
+            <a:xfrm>
+              <a:off x="533400" y="1905000"/>
+              <a:ext cx="4572000" cy="0"/>
+            </a:xfrm>
+            <a:prstGeom prst="line">
+              <a:avLst/>
+            </a:prstGeom>
+          </p:spPr>
+          <p:style>
+            <a:lnRef idx="3">
+              <a:schemeClr val="accent2"/>
+            </a:lnRef>
+            <a:fillRef idx="0">
+              <a:schemeClr val="accent2"/>
+            </a:fillRef>
+            <a:effectRef idx="2">
+              <a:schemeClr val="accent2"/>
+            </a:effectRef>
+            <a:fontRef idx="minor">
+              <a:schemeClr val="tx1"/>
+            </a:fontRef>
+          </p:style>
+        </p:cxnSp>
+      </p:grpSp>
+      <p:grpSp>
+        <p:nvGrpSpPr>
+          <p:cNvPr id="126" name="Group 125"/>
+          <p:cNvGrpSpPr/>
+          <p:nvPr/>
+        </p:nvGrpSpPr>
+        <p:grpSpPr>
+          <a:xfrm>
+            <a:off x="5715000" y="1295400"/>
+            <a:ext cx="4572000" cy="4572000"/>
+            <a:chOff x="5715000" y="1295400"/>
+            <a:chExt cx="4572000" cy="4572000"/>
+          </a:xfrm>
+        </p:grpSpPr>
+        <p:cxnSp>
+          <p:nvCxnSpPr>
+            <p:cNvPr id="114" name="Straight Connector 113"/>
+            <p:cNvCxnSpPr/>
+            <p:nvPr/>
+          </p:nvCxnSpPr>
+          <p:spPr>
+            <a:xfrm rot="5400000">
+              <a:off x="8000206" y="3580606"/>
+              <a:ext cx="4572000" cy="1588"/>
+            </a:xfrm>
+            <a:prstGeom prst="line">
+              <a:avLst/>
+            </a:prstGeom>
+          </p:spPr>
+          <p:style>
+            <a:lnRef idx="3">
+              <a:schemeClr val="accent2"/>
+            </a:lnRef>
+            <a:fillRef idx="0">
+              <a:schemeClr val="accent2"/>
+            </a:fillRef>
+            <a:effectRef idx="2">
+              <a:schemeClr val="accent2"/>
+            </a:effectRef>
+            <a:fontRef idx="minor">
+              <a:schemeClr val="tx1"/>
+            </a:fontRef>
+          </p:style>
+        </p:cxnSp>
+        <p:cxnSp>
+          <p:nvCxnSpPr>
+            <p:cNvPr id="115" name="Straight Connector 114"/>
+            <p:cNvCxnSpPr/>
+            <p:nvPr/>
+          </p:nvCxnSpPr>
+          <p:spPr>
+            <a:xfrm>
+              <a:off x="5715000" y="1295400"/>
+              <a:ext cx="4572000" cy="0"/>
+            </a:xfrm>
+            <a:prstGeom prst="line">
+              <a:avLst/>
+            </a:prstGeom>
+          </p:spPr>
+          <p:style>
+            <a:lnRef idx="3">
+              <a:schemeClr val="accent2"/>
+            </a:lnRef>
+            <a:fillRef idx="0">
+              <a:schemeClr val="accent2"/>
+            </a:fillRef>
+            <a:effectRef idx="2">
+              <a:schemeClr val="accent2"/>
+            </a:effectRef>
+            <a:fontRef idx="minor">
+              <a:schemeClr val="tx1"/>
+            </a:fontRef>
+          </p:style>
+        </p:cxnSp>
+        <p:cxnSp>
+          <p:nvCxnSpPr>
+            <p:cNvPr id="116" name="Straight Connector 115"/>
+            <p:cNvCxnSpPr/>
+            <p:nvPr/>
+          </p:nvCxnSpPr>
+          <p:spPr>
+            <a:xfrm>
+              <a:off x="5715000" y="1905000"/>
+              <a:ext cx="4572000" cy="0"/>
+            </a:xfrm>
+            <a:prstGeom prst="line">
+              <a:avLst/>
+            </a:prstGeom>
+          </p:spPr>
+          <p:style>
+            <a:lnRef idx="3">
+              <a:schemeClr val="accent2"/>
+            </a:lnRef>
+            <a:fillRef idx="0">
+              <a:schemeClr val="accent2"/>
+            </a:fillRef>
+            <a:effectRef idx="2">
+              <a:schemeClr val="accent2"/>
+            </a:effectRef>
+            <a:fontRef idx="minor">
+              <a:schemeClr val="tx1"/>
+            </a:fontRef>
+          </p:style>
+        </p:cxnSp>
+        <p:cxnSp>
+          <p:nvCxnSpPr>
+            <p:cNvPr id="120" name="Straight Connector 119"/>
+            <p:cNvCxnSpPr/>
+            <p:nvPr/>
+          </p:nvCxnSpPr>
+          <p:spPr>
+            <a:xfrm>
+              <a:off x="5715000" y="2628900"/>
+              <a:ext cx="4572000" cy="0"/>
+            </a:xfrm>
+            <a:prstGeom prst="line">
+              <a:avLst/>
+            </a:prstGeom>
+          </p:spPr>
+          <p:style>
+            <a:lnRef idx="3">
+              <a:schemeClr val="accent2"/>
+            </a:lnRef>
+            <a:fillRef idx="0">
+              <a:schemeClr val="accent2"/>
+            </a:fillRef>
+            <a:effectRef idx="2">
+              <a:schemeClr val="accent2"/>
+            </a:effectRef>
+            <a:fontRef idx="minor">
+              <a:schemeClr val="tx1"/>
+            </a:fontRef>
+          </p:style>
+        </p:cxnSp>
+        <p:cxnSp>
+          <p:nvCxnSpPr>
+            <p:cNvPr id="121" name="Straight Connector 120"/>
+            <p:cNvCxnSpPr/>
+            <p:nvPr/>
+          </p:nvCxnSpPr>
+          <p:spPr>
+            <a:xfrm>
+              <a:off x="5715000" y="3314700"/>
+              <a:ext cx="4572000" cy="0"/>
+            </a:xfrm>
+            <a:prstGeom prst="line">
+              <a:avLst/>
+            </a:prstGeom>
+          </p:spPr>
+          <p:style>
+            <a:lnRef idx="3">
+              <a:schemeClr val="accent2"/>
+            </a:lnRef>
+            <a:fillRef idx="0">
+              <a:schemeClr val="accent2"/>
+            </a:fillRef>
+            <a:effectRef idx="2">
+              <a:schemeClr val="accent2"/>
+            </a:effectRef>
+            <a:fontRef idx="minor">
+              <a:schemeClr val="tx1"/>
+            </a:fontRef>
+          </p:style>
+        </p:cxnSp>
+        <p:cxnSp>
+          <p:nvCxnSpPr>
+            <p:cNvPr id="122" name="Straight Connector 121"/>
+            <p:cNvCxnSpPr/>
+            <p:nvPr/>
+          </p:nvCxnSpPr>
+          <p:spPr>
+            <a:xfrm>
+              <a:off x="5715000" y="3975100"/>
+              <a:ext cx="4572000" cy="0"/>
+            </a:xfrm>
+            <a:prstGeom prst="line">
+              <a:avLst/>
+            </a:prstGeom>
+          </p:spPr>
+          <p:style>
+            <a:lnRef idx="3">
+              <a:schemeClr val="accent2"/>
+            </a:lnRef>
+            <a:fillRef idx="0">
+              <a:schemeClr val="accent2"/>
+            </a:fillRef>
+            <a:effectRef idx="2">
+              <a:schemeClr val="accent2"/>
+            </a:effectRef>
+            <a:fontRef idx="minor">
+              <a:schemeClr val="tx1"/>
+            </a:fontRef>
+          </p:style>
+        </p:cxnSp>
+        <p:cxnSp>
+          <p:nvCxnSpPr>
+            <p:cNvPr id="123" name="Straight Connector 122"/>
+            <p:cNvCxnSpPr/>
+            <p:nvPr/>
+          </p:nvCxnSpPr>
+          <p:spPr>
+            <a:xfrm>
+              <a:off x="5715000" y="4572000"/>
+              <a:ext cx="4572000" cy="0"/>
+            </a:xfrm>
+            <a:prstGeom prst="line">
+              <a:avLst/>
+            </a:prstGeom>
+          </p:spPr>
+          <p:style>
+            <a:lnRef idx="3">
+              <a:schemeClr val="accent2"/>
+            </a:lnRef>
+            <a:fillRef idx="0">
+              <a:schemeClr val="accent2"/>
+            </a:fillRef>
+            <a:effectRef idx="2">
+              <a:schemeClr val="accent2"/>
+            </a:effectRef>
+            <a:fontRef idx="minor">
+              <a:schemeClr val="tx1"/>
+            </a:fontRef>
+          </p:style>
+        </p:cxnSp>
+        <p:cxnSp>
+          <p:nvCxnSpPr>
+            <p:cNvPr id="124" name="Straight Connector 123"/>
+            <p:cNvCxnSpPr/>
+            <p:nvPr/>
+          </p:nvCxnSpPr>
+          <p:spPr>
+            <a:xfrm>
+              <a:off x="5715000" y="5181600"/>
+              <a:ext cx="4572000" cy="0"/>
+            </a:xfrm>
+            <a:prstGeom prst="line">
+              <a:avLst/>
+            </a:prstGeom>
+          </p:spPr>
+          <p:style>
+            <a:lnRef idx="3">
+              <a:schemeClr val="accent2"/>
+            </a:lnRef>
+            <a:fillRef idx="0">
+              <a:schemeClr val="accent2"/>
+            </a:fillRef>
+            <a:effectRef idx="2">
+              <a:schemeClr val="accent2"/>
+            </a:effectRef>
+            <a:fontRef idx="minor">
+              <a:schemeClr val="tx1"/>
+            </a:fontRef>
+          </p:style>
+        </p:cxnSp>
+        <p:cxnSp>
+          <p:nvCxnSpPr>
+            <p:cNvPr id="125" name="Straight Connector 124"/>
+            <p:cNvCxnSpPr/>
+            <p:nvPr/>
+          </p:nvCxnSpPr>
+          <p:spPr>
+            <a:xfrm>
+              <a:off x="5715000" y="5867400"/>
+              <a:ext cx="4572000" cy="0"/>
+            </a:xfrm>
+            <a:prstGeom prst="line">
+              <a:avLst/>
+            </a:prstGeom>
+          </p:spPr>
+          <p:style>
+            <a:lnRef idx="3">
+              <a:schemeClr val="accent2"/>
+            </a:lnRef>
+            <a:fillRef idx="0">
+              <a:schemeClr val="accent2"/>
+            </a:fillRef>
+            <a:effectRef idx="2">
+              <a:schemeClr val="accent2"/>
+            </a:effectRef>
+            <a:fontRef idx="minor">
+              <a:schemeClr val="tx1"/>
+            </a:fontRef>
+          </p:style>
+        </p:cxnSp>
+      </p:grpSp>
+    </p:spTree>
+  </p:cSld>
+  <p:clrMapOvr>
+    <a:masterClrMapping/>
+  </p:clrMapOvr>
+</p:sld>
+</file>
+
+<file path=ppt/slides/slide9.xml><?xml version="1.0" encoding="utf-8"?>
+<p:sld xmlns:a="http://schemas.openxmlformats.org/drawingml/2006/main" xmlns:r="http://schemas.openxmlformats.org/officeDocument/2006/relationships" xmlns:p="http://schemas.openxmlformats.org/presentationml/2006/main">
+  <p:cSld>
+    <p:spTree>
+      <p:nvGrpSpPr>
+        <p:cNvPr id="1" name=""/>
+        <p:cNvGrpSpPr/>
+        <p:nvPr/>
+      </p:nvGrpSpPr>
+      <p:grpSpPr>
+        <a:xfrm>
+          <a:off x="0" y="0"/>
+          <a:ext cx="0" cy="0"/>
+          <a:chOff x="0" y="0"/>
+          <a:chExt cx="0" cy="0"/>
+        </a:xfrm>
+      </p:grpSpPr>
+      <p:grpSp>
+        <p:nvGrpSpPr>
+          <p:cNvPr id="2" name="Group 36"/>
+          <p:cNvGrpSpPr/>
+          <p:nvPr/>
+        </p:nvGrpSpPr>
+        <p:grpSpPr>
+          <a:xfrm>
+            <a:off x="533400" y="1295400"/>
+            <a:ext cx="4573588" cy="4572000"/>
+            <a:chOff x="533400" y="1295400"/>
+            <a:chExt cx="4573588" cy="4572000"/>
+          </a:xfrm>
+        </p:grpSpPr>
+        <p:cxnSp>
+          <p:nvCxnSpPr>
+            <p:cNvPr id="16" name="Straight Connector 15"/>
+            <p:cNvCxnSpPr/>
+            <p:nvPr/>
+          </p:nvCxnSpPr>
+          <p:spPr>
+            <a:xfrm>
+              <a:off x="533400" y="1295400"/>
+              <a:ext cx="4572000" cy="0"/>
+            </a:xfrm>
+            <a:prstGeom prst="line">
+              <a:avLst/>
+            </a:prstGeom>
+          </p:spPr>
+          <p:style>
+            <a:lnRef idx="3">
+              <a:schemeClr val="accent2"/>
+            </a:lnRef>
+            <a:fillRef idx="0">
+              <a:schemeClr val="accent2"/>
+            </a:fillRef>
+            <a:effectRef idx="2">
+              <a:schemeClr val="accent2"/>
+            </a:effectRef>
+            <a:fontRef idx="minor">
+              <a:schemeClr val="tx1"/>
+            </a:fontRef>
+          </p:style>
+        </p:cxnSp>
+        <p:cxnSp>
+          <p:nvCxnSpPr>
+            <p:cNvPr id="17" name="Straight Connector 16"/>
+            <p:cNvCxnSpPr/>
+            <p:nvPr/>
+          </p:nvCxnSpPr>
+          <p:spPr>
+            <a:xfrm rot="5400000">
+              <a:off x="-1751806" y="3580606"/>
+              <a:ext cx="4572000" cy="1588"/>
+            </a:xfrm>
+            <a:prstGeom prst="line">
+              <a:avLst/>
+            </a:prstGeom>
+          </p:spPr>
+          <p:style>
+            <a:lnRef idx="3">
+              <a:schemeClr val="accent2"/>
+            </a:lnRef>
+            <a:fillRef idx="0">
+              <a:schemeClr val="accent2"/>
+            </a:fillRef>
+            <a:effectRef idx="2">
+              <a:schemeClr val="accent2"/>
+            </a:effectRef>
+            <a:fontRef idx="minor">
+              <a:schemeClr val="tx1"/>
+            </a:fontRef>
+          </p:style>
+        </p:cxnSp>
+        <p:cxnSp>
+          <p:nvCxnSpPr>
             <p:cNvPr id="20" name="Straight Connector 19"/>
             <p:cNvCxnSpPr/>
             <p:nvPr/>
           </p:nvCxnSpPr>
           <p:spPr>
+            <a:xfrm rot="5400000">
+              <a:off x="2820194" y="3580606"/>
+              <a:ext cx="4572000" cy="1588"/>
+            </a:xfrm>
+            <a:prstGeom prst="line">
+              <a:avLst/>
+            </a:prstGeom>
+          </p:spPr>
+          <p:style>
+            <a:lnRef idx="3">
+              <a:schemeClr val="accent2"/>
+            </a:lnRef>
+            <a:fillRef idx="0">
+              <a:schemeClr val="accent2"/>
+            </a:fillRef>
+            <a:effectRef idx="2">
+              <a:schemeClr val="accent2"/>
+            </a:effectRef>
+            <a:fontRef idx="minor">
+              <a:schemeClr val="tx1"/>
+            </a:fontRef>
+          </p:style>
+        </p:cxnSp>
+        <p:cxnSp>
+          <p:nvCxnSpPr>
+            <p:cNvPr id="21" name="Straight Connector 20"/>
+            <p:cNvCxnSpPr/>
+            <p:nvPr/>
+          </p:nvCxnSpPr>
+          <p:spPr>
             <a:xfrm>
               <a:off x="533400" y="5867400"/>
               <a:ext cx="4572000" cy="0"/>
@@ -5872,7 +10155,7 @@
         </p:cxnSp>
         <p:cxnSp>
           <p:nvCxnSpPr>
-            <p:cNvPr id="21" name="Straight Connector 20"/>
+            <p:cNvPr id="22" name="Straight Connector 21"/>
             <p:cNvCxnSpPr/>
             <p:nvPr/>
           </p:nvCxnSpPr>
@@ -5902,7 +10185,7 @@
         </p:cxnSp>
         <p:cxnSp>
           <p:nvCxnSpPr>
-            <p:cNvPr id="22" name="Straight Connector 21"/>
+            <p:cNvPr id="23" name="Straight Connector 22"/>
             <p:cNvCxnSpPr/>
             <p:nvPr/>
           </p:nvCxnSpPr>
@@ -5932,7 +10215,7 @@
         </p:cxnSp>
         <p:cxnSp>
           <p:nvCxnSpPr>
-            <p:cNvPr id="23" name="Straight Connector 22"/>
+            <p:cNvPr id="24" name="Straight Connector 23"/>
             <p:cNvCxnSpPr/>
             <p:nvPr/>
           </p:nvCxnSpPr>
@@ -5962,7 +10245,7 @@
         </p:cxnSp>
         <p:cxnSp>
           <p:nvCxnSpPr>
-            <p:cNvPr id="24" name="Straight Connector 23"/>
+            <p:cNvPr id="25" name="Straight Connector 24"/>
             <p:cNvCxnSpPr/>
             <p:nvPr/>
           </p:nvCxnSpPr>
@@ -5992,7 +10275,7 @@
         </p:cxnSp>
         <p:cxnSp>
           <p:nvCxnSpPr>
-            <p:cNvPr id="25" name="Straight Connector 24"/>
+            <p:cNvPr id="26" name="Straight Connector 25"/>
             <p:cNvCxnSpPr/>
             <p:nvPr/>
           </p:nvCxnSpPr>
@@ -6022,7 +10305,7 @@
         </p:cxnSp>
         <p:cxnSp>
           <p:nvCxnSpPr>
-            <p:cNvPr id="26" name="Straight Connector 25"/>
+            <p:cNvPr id="27" name="Straight Connector 26"/>
             <p:cNvCxnSpPr/>
             <p:nvPr/>
           </p:nvCxnSpPr>
@@ -6050,7 +10333,158 @@
             </a:fontRef>
           </p:style>
         </p:cxnSp>
+        <p:cxnSp>
+          <p:nvCxnSpPr>
+            <p:cNvPr id="32" name="Straight Connector 31"/>
+            <p:cNvCxnSpPr/>
+            <p:nvPr/>
+          </p:nvCxnSpPr>
+          <p:spPr>
+            <a:xfrm>
+              <a:off x="533400" y="2971800"/>
+              <a:ext cx="4572000" cy="0"/>
+            </a:xfrm>
+            <a:prstGeom prst="line">
+              <a:avLst/>
+            </a:prstGeom>
+          </p:spPr>
+          <p:style>
+            <a:lnRef idx="3">
+              <a:schemeClr val="dk1"/>
+            </a:lnRef>
+            <a:fillRef idx="0">
+              <a:schemeClr val="dk1"/>
+            </a:fillRef>
+            <a:effectRef idx="2">
+              <a:schemeClr val="dk1"/>
+            </a:effectRef>
+            <a:fontRef idx="minor">
+              <a:schemeClr val="tx1"/>
+            </a:fontRef>
+          </p:style>
+        </p:cxnSp>
+        <p:cxnSp>
+          <p:nvCxnSpPr>
+            <p:cNvPr id="33" name="Straight Connector 32"/>
+            <p:cNvCxnSpPr/>
+            <p:nvPr/>
+          </p:nvCxnSpPr>
+          <p:spPr>
+            <a:xfrm>
+              <a:off x="533400" y="4114800"/>
+              <a:ext cx="4572000" cy="0"/>
+            </a:xfrm>
+            <a:prstGeom prst="line">
+              <a:avLst/>
+            </a:prstGeom>
+          </p:spPr>
+          <p:style>
+            <a:lnRef idx="3">
+              <a:schemeClr val="dk1"/>
+            </a:lnRef>
+            <a:fillRef idx="0">
+              <a:schemeClr val="dk1"/>
+            </a:fillRef>
+            <a:effectRef idx="2">
+              <a:schemeClr val="dk1"/>
+            </a:effectRef>
+            <a:fontRef idx="minor">
+              <a:schemeClr val="tx1"/>
+            </a:fontRef>
+          </p:style>
+        </p:cxnSp>
+        <p:cxnSp>
+          <p:nvCxnSpPr>
+            <p:cNvPr id="34" name="Straight Connector 33"/>
+            <p:cNvCxnSpPr/>
+            <p:nvPr/>
+          </p:nvCxnSpPr>
+          <p:spPr>
+            <a:xfrm>
+              <a:off x="533400" y="5334000"/>
+              <a:ext cx="4572000" cy="0"/>
+            </a:xfrm>
+            <a:prstGeom prst="line">
+              <a:avLst/>
+            </a:prstGeom>
+          </p:spPr>
+          <p:style>
+            <a:lnRef idx="3">
+              <a:schemeClr val="dk1"/>
+            </a:lnRef>
+            <a:fillRef idx="0">
+              <a:schemeClr val="dk1"/>
+            </a:fillRef>
+            <a:effectRef idx="2">
+              <a:schemeClr val="dk1"/>
+            </a:effectRef>
+            <a:fontRef idx="minor">
+              <a:schemeClr val="tx1"/>
+            </a:fontRef>
+          </p:style>
+        </p:cxnSp>
+        <p:cxnSp>
+          <p:nvCxnSpPr>
+            <p:cNvPr id="35" name="Straight Connector 34"/>
+            <p:cNvCxnSpPr/>
+            <p:nvPr/>
+          </p:nvCxnSpPr>
+          <p:spPr>
+            <a:xfrm>
+              <a:off x="533400" y="1905000"/>
+              <a:ext cx="4572000" cy="0"/>
+            </a:xfrm>
+            <a:prstGeom prst="line">
+              <a:avLst/>
+            </a:prstGeom>
+          </p:spPr>
+          <p:style>
+            <a:lnRef idx="3">
+              <a:schemeClr val="dk1"/>
+            </a:lnRef>
+            <a:fillRef idx="0">
+              <a:schemeClr val="dk1"/>
+            </a:fillRef>
+            <a:effectRef idx="2">
+              <a:schemeClr val="dk1"/>
+            </a:effectRef>
+            <a:fontRef idx="minor">
+              <a:schemeClr val="tx1"/>
+            </a:fontRef>
+          </p:style>
+        </p:cxnSp>
       </p:grpSp>
+      <p:sp>
+        <p:nvSpPr>
+          <p:cNvPr id="18" name="TextBox 17"/>
+          <p:cNvSpPr txBox="1"/>
+          <p:nvPr/>
+        </p:nvSpPr>
+        <p:spPr>
+          <a:xfrm>
+            <a:off x="0" y="0"/>
+            <a:ext cx="9144000" cy="646331"/>
+          </a:xfrm>
+          <a:prstGeom prst="rect">
+            <a:avLst/>
+          </a:prstGeom>
+          <a:noFill/>
+        </p:spPr>
+        <p:txBody>
+          <a:bodyPr wrap="square" rtlCol="0">
+            <a:spAutoFit/>
+          </a:bodyPr>
+          <a:lstStyle/>
+          <a:p>
+            <a:pPr algn="ctr"/>
+            <a:r>
+              <a:rPr lang="en-US" sz="3600" dirty="0" smtClean="0"/>
+              <a:t>Restrict, N nodes = 8</a:t>
+            </a:r>
+            <a:endParaRPr lang="en-US" sz="3600" dirty="0"/>
+          </a:p>
+        </p:txBody>
+      </p:sp>
     </p:spTree>
   </p:cSld>
   <p:clrMapOvr>
